--- a/Presentation.pptx
+++ b/Presentation.pptx
@@ -9,7 +9,8 @@
     <p:sldId id="257" r:id="rId3"/>
     <p:sldId id="259" r:id="rId4"/>
     <p:sldId id="260" r:id="rId5"/>
-    <p:sldId id="258" r:id="rId6"/>
+    <p:sldId id="261" r:id="rId6"/>
+    <p:sldId id="258" r:id="rId7"/>
   </p:sldIdLst>
   <p:sldSz cx="12192000" cy="6858000"/>
   <p:notesSz cx="6858000" cy="9144000"/>
@@ -2980,7 +2981,7 @@
         </p:nvSpPr>
         <p:spPr>
           <a:xfrm>
-            <a:off x="1524000" y="2345635"/>
+            <a:off x="6149008" y="2577962"/>
             <a:ext cx="9144000" cy="1429372"/>
           </a:xfrm>
         </p:spPr>
@@ -2990,7 +2991,7 @@
           </a:bodyPr>
           <a:lstStyle/>
           <a:p>
-            <a:pPr>
+            <a:pPr algn="l">
               <a:lnSpc>
                 <a:spcPct val="200000"/>
               </a:lnSpc>
@@ -3093,7 +3094,7 @@
         </p:nvSpPr>
         <p:spPr>
           <a:xfrm>
-            <a:off x="1524000" y="4224890"/>
+            <a:off x="6149008" y="4198385"/>
             <a:ext cx="9144000" cy="1655762"/>
           </a:xfrm>
         </p:spPr>
@@ -3101,6 +3102,7 @@
           <a:bodyPr/>
           <a:lstStyle/>
           <a:p>
+            <a:pPr algn="l"/>
             <a:r>
               <a:rPr lang="en-US" dirty="0" err="1" smtClean="0">
                 <a:latin typeface="Times New Roman" charset="0"/>
@@ -3119,6 +3121,7 @@
             </a:r>
           </a:p>
           <a:p>
+            <a:pPr algn="l"/>
             <a:r>
               <a:rPr lang="en-US" dirty="0" err="1" smtClean="0">
                 <a:latin typeface="Times New Roman" charset="0"/>
@@ -3137,6 +3140,7 @@
             </a:r>
           </a:p>
           <a:p>
+            <a:pPr algn="l"/>
             <a:r>
               <a:rPr lang="en-US" dirty="0" err="1" smtClean="0">
                 <a:latin typeface="Times New Roman" charset="0"/>
@@ -3155,10 +3159,41 @@
             </a:r>
           </a:p>
           <a:p>
+            <a:pPr algn="l"/>
             <a:endParaRPr lang="en-US" dirty="0"/>
           </a:p>
         </p:txBody>
       </p:sp>
+      <p:pic>
+        <p:nvPicPr>
+          <p:cNvPr id="4" name="Picture 3"/>
+          <p:cNvPicPr>
+            <a:picLocks noChangeAspect="1"/>
+          </p:cNvPicPr>
+          <p:nvPr/>
+        </p:nvPicPr>
+        <p:blipFill>
+          <a:blip r:embed="rId2">
+            <a:extLst>
+              <a:ext uri="{28A0092B-C50C-407E-A947-70E740481C1C}">
+                <a14:useLocalDpi xmlns:a14="http://schemas.microsoft.com/office/drawing/2010/main" val="0"/>
+              </a:ext>
+            </a:extLst>
+          </a:blip>
+          <a:stretch>
+            <a:fillRect/>
+          </a:stretch>
+        </p:blipFill>
+        <p:spPr>
+          <a:xfrm>
+            <a:off x="1080277" y="1126435"/>
+            <a:ext cx="4485636" cy="4332426"/>
+          </a:xfrm>
+          <a:prstGeom prst="rect">
+            <a:avLst/>
+          </a:prstGeom>
+        </p:spPr>
+      </p:pic>
     </p:spTree>
     <p:extLst>
       <p:ext uri="{BB962C8B-B14F-4D97-AF65-F5344CB8AC3E}">
@@ -3466,7 +3501,7 @@
                 <a:ea typeface="Times New Roman" charset="0"/>
                 <a:cs typeface="Times New Roman" charset="0"/>
               </a:rPr>
-              <a:t>Design:</a:t>
+              <a:t>User Interface:</a:t>
             </a:r>
             <a:endParaRPr lang="en-US" dirty="0">
               <a:latin typeface="Times New Roman" charset="0"/>
@@ -3478,28 +3513,35 @@
       </p:sp>
       <p:sp>
         <p:nvSpPr>
-          <p:cNvPr id="3" name="Content Placeholder 2"/>
-          <p:cNvSpPr>
-            <a:spLocks noGrp="1"/>
-          </p:cNvSpPr>
-          <p:nvPr>
-            <p:ph idx="1"/>
-          </p:nvPr>
-        </p:nvSpPr>
-        <p:spPr/>
-        <p:txBody>
-          <a:bodyPr>
-            <a:noAutofit/>
+          <p:cNvPr id="22" name="TextBox 21"/>
+          <p:cNvSpPr txBox="1"/>
+          <p:nvPr/>
+        </p:nvSpPr>
+        <p:spPr>
+          <a:xfrm>
+            <a:off x="9881811" y="3808113"/>
+            <a:ext cx="2344205" cy="461665"/>
+          </a:xfrm>
+          <a:prstGeom prst="rect">
+            <a:avLst/>
+          </a:prstGeom>
+          <a:noFill/>
+        </p:spPr>
+        <p:txBody>
+          <a:bodyPr wrap="square" rtlCol="0">
+            <a:spAutoFit/>
           </a:bodyPr>
           <a:lstStyle/>
           <a:p>
-            <a:pPr marL="0" indent="0">
-              <a:lnSpc>
-                <a:spcPct val="150000"/>
-              </a:lnSpc>
-              <a:buNone/>
-            </a:pPr>
-            <a:endParaRPr lang="en-US" dirty="0">
+            <a:r>
+              <a:rPr lang="en-US" sz="2400" smtClean="0">
+                <a:latin typeface="Times New Roman" charset="0"/>
+                <a:ea typeface="Times New Roman" charset="0"/>
+                <a:cs typeface="Times New Roman" charset="0"/>
+              </a:rPr>
+              <a:t>Tone Analysis</a:t>
+            </a:r>
+            <a:endParaRPr lang="en-US" sz="2400" dirty="0">
               <a:latin typeface="Times New Roman" charset="0"/>
               <a:ea typeface="Times New Roman" charset="0"/>
               <a:cs typeface="Times New Roman" charset="0"/>
@@ -3528,6 +3570,342 @@
 </file>
 
 <file path=ppt/slides/slide5.xml><?xml version="1.0" encoding="utf-8"?>
+<p:sld xmlns:a="http://schemas.openxmlformats.org/drawingml/2006/main" xmlns:r="http://schemas.openxmlformats.org/officeDocument/2006/relationships" xmlns:p="http://schemas.openxmlformats.org/presentationml/2006/main">
+  <p:cSld>
+    <p:spTree>
+      <p:nvGrpSpPr>
+        <p:cNvPr id="1" name=""/>
+        <p:cNvGrpSpPr/>
+        <p:nvPr/>
+      </p:nvGrpSpPr>
+      <p:grpSpPr>
+        <a:xfrm>
+          <a:off x="0" y="0"/>
+          <a:ext cx="0" cy="0"/>
+          <a:chOff x="0" y="0"/>
+          <a:chExt cx="0" cy="0"/>
+        </a:xfrm>
+      </p:grpSpPr>
+      <p:sp>
+        <p:nvSpPr>
+          <p:cNvPr id="2" name="Title 1"/>
+          <p:cNvSpPr>
+            <a:spLocks noGrp="1"/>
+          </p:cNvSpPr>
+          <p:nvPr>
+            <p:ph type="title"/>
+          </p:nvPr>
+        </p:nvSpPr>
+        <p:spPr/>
+        <p:txBody>
+          <a:bodyPr/>
+          <a:lstStyle/>
+          <a:p>
+            <a:r>
+              <a:rPr lang="en-US" dirty="0" smtClean="0">
+                <a:latin typeface="Times New Roman" charset="0"/>
+                <a:ea typeface="Times New Roman" charset="0"/>
+                <a:cs typeface="Times New Roman" charset="0"/>
+              </a:rPr>
+              <a:t>Design:</a:t>
+            </a:r>
+            <a:endParaRPr lang="en-US" dirty="0">
+              <a:latin typeface="Times New Roman" charset="0"/>
+              <a:ea typeface="Times New Roman" charset="0"/>
+              <a:cs typeface="Times New Roman" charset="0"/>
+            </a:endParaRPr>
+          </a:p>
+        </p:txBody>
+      </p:sp>
+      <p:pic>
+        <p:nvPicPr>
+          <p:cNvPr id="4" name="Content Placeholder 3"/>
+          <p:cNvPicPr>
+            <a:picLocks noGrp="1" noChangeAspect="1"/>
+          </p:cNvPicPr>
+          <p:nvPr>
+            <p:ph idx="1"/>
+          </p:nvPr>
+        </p:nvPicPr>
+        <p:blipFill>
+          <a:blip r:embed="rId2"/>
+          <a:stretch>
+            <a:fillRect/>
+          </a:stretch>
+        </p:blipFill>
+        <p:spPr>
+          <a:xfrm>
+            <a:off x="8749423" y="535001"/>
+            <a:ext cx="2264776" cy="2264776"/>
+          </a:xfrm>
+          <a:prstGeom prst="rect">
+            <a:avLst/>
+          </a:prstGeom>
+        </p:spPr>
+      </p:pic>
+      <p:pic>
+        <p:nvPicPr>
+          <p:cNvPr id="6" name="Picture 5"/>
+          <p:cNvPicPr>
+            <a:picLocks noChangeAspect="1"/>
+          </p:cNvPicPr>
+          <p:nvPr/>
+        </p:nvPicPr>
+        <p:blipFill>
+          <a:blip r:embed="rId3">
+            <a:extLst>
+              <a:ext uri="{28A0092B-C50C-407E-A947-70E740481C1C}">
+                <a14:useLocalDpi xmlns:a14="http://schemas.microsoft.com/office/drawing/2010/main" val="0"/>
+              </a:ext>
+            </a:extLst>
+          </a:blip>
+          <a:stretch>
+            <a:fillRect/>
+          </a:stretch>
+        </p:blipFill>
+        <p:spPr>
+          <a:xfrm>
+            <a:off x="990416" y="2273439"/>
+            <a:ext cx="4708019" cy="3531014"/>
+          </a:xfrm>
+          <a:prstGeom prst="rect">
+            <a:avLst/>
+          </a:prstGeom>
+        </p:spPr>
+      </p:pic>
+      <p:pic>
+        <p:nvPicPr>
+          <p:cNvPr id="7" name="Picture 6"/>
+          <p:cNvPicPr>
+            <a:picLocks noChangeAspect="1"/>
+          </p:cNvPicPr>
+          <p:nvPr/>
+        </p:nvPicPr>
+        <p:blipFill>
+          <a:blip r:embed="rId4"/>
+          <a:stretch>
+            <a:fillRect/>
+          </a:stretch>
+        </p:blipFill>
+        <p:spPr>
+          <a:xfrm>
+            <a:off x="6667500" y="4940853"/>
+            <a:ext cx="4686300" cy="1727200"/>
+          </a:xfrm>
+          <a:prstGeom prst="rect">
+            <a:avLst/>
+          </a:prstGeom>
+        </p:spPr>
+      </p:pic>
+      <p:sp>
+        <p:nvSpPr>
+          <p:cNvPr id="10" name="TextBox 9"/>
+          <p:cNvSpPr txBox="1"/>
+          <p:nvPr/>
+        </p:nvSpPr>
+        <p:spPr>
+          <a:xfrm>
+            <a:off x="5889907" y="1552735"/>
+            <a:ext cx="2344205" cy="461665"/>
+          </a:xfrm>
+          <a:prstGeom prst="rect">
+            <a:avLst/>
+          </a:prstGeom>
+          <a:noFill/>
+        </p:spPr>
+        <p:txBody>
+          <a:bodyPr wrap="square" rtlCol="0">
+            <a:spAutoFit/>
+          </a:bodyPr>
+          <a:lstStyle/>
+          <a:p>
+            <a:r>
+              <a:rPr lang="en-US" sz="2400" dirty="0" smtClean="0">
+                <a:latin typeface="Times New Roman" charset="0"/>
+                <a:ea typeface="Times New Roman" charset="0"/>
+                <a:cs typeface="Times New Roman" charset="0"/>
+              </a:rPr>
+              <a:t>Input &amp; Output</a:t>
+            </a:r>
+            <a:endParaRPr lang="en-US" sz="2400" dirty="0">
+              <a:latin typeface="Times New Roman" charset="0"/>
+              <a:ea typeface="Times New Roman" charset="0"/>
+              <a:cs typeface="Times New Roman" charset="0"/>
+            </a:endParaRPr>
+          </a:p>
+        </p:txBody>
+      </p:sp>
+      <p:cxnSp>
+        <p:nvCxnSpPr>
+          <p:cNvPr id="14" name="Straight Arrow Connector 13"/>
+          <p:cNvCxnSpPr/>
+          <p:nvPr/>
+        </p:nvCxnSpPr>
+        <p:spPr>
+          <a:xfrm flipV="1">
+            <a:off x="6028893" y="1990165"/>
+            <a:ext cx="2380929" cy="933313"/>
+          </a:xfrm>
+          <a:prstGeom prst="straightConnector1">
+            <a:avLst/>
+          </a:prstGeom>
+          <a:ln w="76200">
+            <a:solidFill>
+              <a:schemeClr val="accent1"/>
+            </a:solidFill>
+            <a:headEnd type="triangle"/>
+            <a:tailEnd type="triangle"/>
+          </a:ln>
+        </p:spPr>
+        <p:style>
+          <a:lnRef idx="1">
+            <a:schemeClr val="accent1"/>
+          </a:lnRef>
+          <a:fillRef idx="0">
+            <a:schemeClr val="accent1"/>
+          </a:fillRef>
+          <a:effectRef idx="0">
+            <a:schemeClr val="accent1"/>
+          </a:effectRef>
+          <a:fontRef idx="minor">
+            <a:schemeClr val="tx1"/>
+          </a:fontRef>
+        </p:style>
+      </p:cxnSp>
+      <p:cxnSp>
+        <p:nvCxnSpPr>
+          <p:cNvPr id="17" name="Straight Arrow Connector 16"/>
+          <p:cNvCxnSpPr/>
+          <p:nvPr/>
+        </p:nvCxnSpPr>
+        <p:spPr>
+          <a:xfrm flipV="1">
+            <a:off x="9735671" y="2969653"/>
+            <a:ext cx="26894" cy="2487705"/>
+          </a:xfrm>
+          <a:prstGeom prst="straightConnector1">
+            <a:avLst/>
+          </a:prstGeom>
+          <a:ln w="76200">
+            <a:solidFill>
+              <a:schemeClr val="accent1"/>
+            </a:solidFill>
+            <a:headEnd type="triangle"/>
+            <a:tailEnd type="triangle"/>
+          </a:ln>
+        </p:spPr>
+        <p:style>
+          <a:lnRef idx="1">
+            <a:schemeClr val="accent1"/>
+          </a:lnRef>
+          <a:fillRef idx="0">
+            <a:schemeClr val="accent1"/>
+          </a:fillRef>
+          <a:effectRef idx="0">
+            <a:schemeClr val="accent1"/>
+          </a:effectRef>
+          <a:fontRef idx="minor">
+            <a:schemeClr val="tx1"/>
+          </a:fontRef>
+        </p:style>
+      </p:cxnSp>
+      <p:sp>
+        <p:nvSpPr>
+          <p:cNvPr id="21" name="TextBox 20"/>
+          <p:cNvSpPr txBox="1"/>
+          <p:nvPr/>
+        </p:nvSpPr>
+        <p:spPr>
+          <a:xfrm>
+            <a:off x="7586782" y="3808113"/>
+            <a:ext cx="2344205" cy="461665"/>
+          </a:xfrm>
+          <a:prstGeom prst="rect">
+            <a:avLst/>
+          </a:prstGeom>
+          <a:noFill/>
+        </p:spPr>
+        <p:txBody>
+          <a:bodyPr wrap="square" rtlCol="0">
+            <a:spAutoFit/>
+          </a:bodyPr>
+          <a:lstStyle/>
+          <a:p>
+            <a:r>
+              <a:rPr lang="en-US" sz="2400" dirty="0" smtClean="0">
+                <a:latin typeface="Times New Roman" charset="0"/>
+                <a:ea typeface="Times New Roman" charset="0"/>
+                <a:cs typeface="Times New Roman" charset="0"/>
+              </a:rPr>
+              <a:t>Speech to text</a:t>
+            </a:r>
+            <a:endParaRPr lang="en-US" sz="2400" dirty="0">
+              <a:latin typeface="Times New Roman" charset="0"/>
+              <a:ea typeface="Times New Roman" charset="0"/>
+              <a:cs typeface="Times New Roman" charset="0"/>
+            </a:endParaRPr>
+          </a:p>
+        </p:txBody>
+      </p:sp>
+      <p:sp>
+        <p:nvSpPr>
+          <p:cNvPr id="22" name="TextBox 21"/>
+          <p:cNvSpPr txBox="1"/>
+          <p:nvPr/>
+        </p:nvSpPr>
+        <p:spPr>
+          <a:xfrm>
+            <a:off x="9881811" y="3808113"/>
+            <a:ext cx="2344205" cy="461665"/>
+          </a:xfrm>
+          <a:prstGeom prst="rect">
+            <a:avLst/>
+          </a:prstGeom>
+          <a:noFill/>
+        </p:spPr>
+        <p:txBody>
+          <a:bodyPr wrap="square" rtlCol="0">
+            <a:spAutoFit/>
+          </a:bodyPr>
+          <a:lstStyle/>
+          <a:p>
+            <a:r>
+              <a:rPr lang="en-US" sz="2400" smtClean="0">
+                <a:latin typeface="Times New Roman" charset="0"/>
+                <a:ea typeface="Times New Roman" charset="0"/>
+                <a:cs typeface="Times New Roman" charset="0"/>
+              </a:rPr>
+              <a:t>Tone Analysis</a:t>
+            </a:r>
+            <a:endParaRPr lang="en-US" sz="2400" dirty="0">
+              <a:latin typeface="Times New Roman" charset="0"/>
+              <a:ea typeface="Times New Roman" charset="0"/>
+              <a:cs typeface="Times New Roman" charset="0"/>
+            </a:endParaRPr>
+          </a:p>
+        </p:txBody>
+      </p:sp>
+    </p:spTree>
+    <p:extLst>
+      <p:ext uri="{BB962C8B-B14F-4D97-AF65-F5344CB8AC3E}">
+        <p14:creationId xmlns:p14="http://schemas.microsoft.com/office/powerpoint/2010/main" val="1615945692"/>
+      </p:ext>
+    </p:extLst>
+  </p:cSld>
+  <p:clrMapOvr>
+    <a:masterClrMapping/>
+  </p:clrMapOvr>
+  <p:timing>
+    <p:tnLst>
+      <p:par>
+        <p:cTn id="1" dur="indefinite" restart="never" nodeType="tmRoot"/>
+      </p:par>
+    </p:tnLst>
+  </p:timing>
+</p:sld>
+</file>
+
+<file path=ppt/slides/slide6.xml><?xml version="1.0" encoding="utf-8"?>
 <p:sld xmlns:a="http://schemas.openxmlformats.org/drawingml/2006/main" xmlns:r="http://schemas.openxmlformats.org/officeDocument/2006/relationships" xmlns:p="http://schemas.openxmlformats.org/presentationml/2006/main">
   <p:cSld>
     <p:spTree>

--- a/Presentation.pptx
+++ b/Presentation.pptx
@@ -4,13 +4,19 @@
   <p:sldMasterIdLst>
     <p:sldMasterId id="2147483648" r:id="rId1"/>
   </p:sldMasterIdLst>
+  <p:notesMasterIdLst>
+    <p:notesMasterId r:id="rId11"/>
+  </p:notesMasterIdLst>
   <p:sldIdLst>
     <p:sldId id="256" r:id="rId2"/>
     <p:sldId id="257" r:id="rId3"/>
     <p:sldId id="259" r:id="rId4"/>
-    <p:sldId id="260" r:id="rId5"/>
-    <p:sldId id="261" r:id="rId6"/>
-    <p:sldId id="258" r:id="rId7"/>
+    <p:sldId id="261" r:id="rId5"/>
+    <p:sldId id="260" r:id="rId6"/>
+    <p:sldId id="262" r:id="rId7"/>
+    <p:sldId id="258" r:id="rId8"/>
+    <p:sldId id="263" r:id="rId9"/>
+    <p:sldId id="264" r:id="rId10"/>
   </p:sldIdLst>
   <p:sldSz cx="12192000" cy="6858000"/>
   <p:notesSz cx="6858000" cy="9144000"/>
@@ -109,7 +115,446 @@
       </a:defRPr>
     </a:lvl9pPr>
   </p:defaultTextStyle>
+  <p:extLst>
+    <p:ext uri="{EFAFB233-063F-42B5-8137-9DF3F51BA10A}">
+      <p15:sldGuideLst xmlns:p15="http://schemas.microsoft.com/office/powerpoint/2012/main"/>
+    </p:ext>
+  </p:extLst>
 </p:presentation>
+</file>
+
+<file path=ppt/notesMasters/notesMaster1.xml><?xml version="1.0" encoding="utf-8"?>
+<p:notesMaster xmlns:a="http://schemas.openxmlformats.org/drawingml/2006/main" xmlns:r="http://schemas.openxmlformats.org/officeDocument/2006/relationships" xmlns:p="http://schemas.openxmlformats.org/presentationml/2006/main">
+  <p:cSld>
+    <p:bg>
+      <p:bgRef idx="1001">
+        <a:schemeClr val="bg1"/>
+      </p:bgRef>
+    </p:bg>
+    <p:spTree>
+      <p:nvGrpSpPr>
+        <p:cNvPr id="1" name=""/>
+        <p:cNvGrpSpPr/>
+        <p:nvPr/>
+      </p:nvGrpSpPr>
+      <p:grpSpPr>
+        <a:xfrm>
+          <a:off x="0" y="0"/>
+          <a:ext cx="0" cy="0"/>
+          <a:chOff x="0" y="0"/>
+          <a:chExt cx="0" cy="0"/>
+        </a:xfrm>
+      </p:grpSpPr>
+      <p:sp>
+        <p:nvSpPr>
+          <p:cNvPr id="2" name="Header Placeholder 1"/>
+          <p:cNvSpPr>
+            <a:spLocks noGrp="1"/>
+          </p:cNvSpPr>
+          <p:nvPr>
+            <p:ph type="hdr" sz="quarter"/>
+          </p:nvPr>
+        </p:nvSpPr>
+        <p:spPr>
+          <a:xfrm>
+            <a:off x="0" y="0"/>
+            <a:ext cx="2971800" cy="458788"/>
+          </a:xfrm>
+          <a:prstGeom prst="rect">
+            <a:avLst/>
+          </a:prstGeom>
+        </p:spPr>
+        <p:txBody>
+          <a:bodyPr vert="horz" lIns="91440" tIns="45720" rIns="91440" bIns="45720" rtlCol="0"/>
+          <a:lstStyle>
+            <a:lvl1pPr algn="l">
+              <a:defRPr sz="1200"/>
+            </a:lvl1pPr>
+          </a:lstStyle>
+          <a:p>
+            <a:endParaRPr lang="en-US"/>
+          </a:p>
+        </p:txBody>
+      </p:sp>
+      <p:sp>
+        <p:nvSpPr>
+          <p:cNvPr id="3" name="Date Placeholder 2"/>
+          <p:cNvSpPr>
+            <a:spLocks noGrp="1"/>
+          </p:cNvSpPr>
+          <p:nvPr>
+            <p:ph type="dt" idx="1"/>
+          </p:nvPr>
+        </p:nvSpPr>
+        <p:spPr>
+          <a:xfrm>
+            <a:off x="3884613" y="0"/>
+            <a:ext cx="2971800" cy="458788"/>
+          </a:xfrm>
+          <a:prstGeom prst="rect">
+            <a:avLst/>
+          </a:prstGeom>
+        </p:spPr>
+        <p:txBody>
+          <a:bodyPr vert="horz" lIns="91440" tIns="45720" rIns="91440" bIns="45720" rtlCol="0"/>
+          <a:lstStyle>
+            <a:lvl1pPr algn="r">
+              <a:defRPr sz="1200"/>
+            </a:lvl1pPr>
+          </a:lstStyle>
+          <a:p>
+            <a:fld id="{C7358A33-6534-384A-8E44-0A8B0821C56D}" type="datetimeFigureOut">
+              <a:rPr lang="en-US" smtClean="0"/>
+              <a:t>7/20/17</a:t>
+            </a:fld>
+            <a:endParaRPr lang="en-US"/>
+          </a:p>
+        </p:txBody>
+      </p:sp>
+      <p:sp>
+        <p:nvSpPr>
+          <p:cNvPr id="4" name="Slide Image Placeholder 3"/>
+          <p:cNvSpPr>
+            <a:spLocks noGrp="1" noRot="1" noChangeAspect="1"/>
+          </p:cNvSpPr>
+          <p:nvPr>
+            <p:ph type="sldImg" idx="2"/>
+          </p:nvPr>
+        </p:nvSpPr>
+        <p:spPr>
+          <a:xfrm>
+            <a:off x="685800" y="1143000"/>
+            <a:ext cx="5486400" cy="3086100"/>
+          </a:xfrm>
+          <a:prstGeom prst="rect">
+            <a:avLst/>
+          </a:prstGeom>
+          <a:noFill/>
+          <a:ln w="12700">
+            <a:solidFill>
+              <a:prstClr val="black"/>
+            </a:solidFill>
+          </a:ln>
+        </p:spPr>
+        <p:txBody>
+          <a:bodyPr vert="horz" lIns="91440" tIns="45720" rIns="91440" bIns="45720" rtlCol="0" anchor="ctr"/>
+          <a:lstStyle/>
+          <a:p>
+            <a:endParaRPr lang="en-US"/>
+          </a:p>
+        </p:txBody>
+      </p:sp>
+      <p:sp>
+        <p:nvSpPr>
+          <p:cNvPr id="5" name="Notes Placeholder 4"/>
+          <p:cNvSpPr>
+            <a:spLocks noGrp="1"/>
+          </p:cNvSpPr>
+          <p:nvPr>
+            <p:ph type="body" sz="quarter" idx="3"/>
+          </p:nvPr>
+        </p:nvSpPr>
+        <p:spPr>
+          <a:xfrm>
+            <a:off x="685800" y="4400550"/>
+            <a:ext cx="5486400" cy="3600450"/>
+          </a:xfrm>
+          <a:prstGeom prst="rect">
+            <a:avLst/>
+          </a:prstGeom>
+        </p:spPr>
+        <p:txBody>
+          <a:bodyPr vert="horz" lIns="91440" tIns="45720" rIns="91440" bIns="45720" rtlCol="0"/>
+          <a:lstStyle/>
+          <a:p>
+            <a:pPr lvl="0"/>
+            <a:r>
+              <a:rPr lang="en-US" smtClean="0"/>
+              <a:t>Click to edit Master text styles</a:t>
+            </a:r>
+          </a:p>
+          <a:p>
+            <a:pPr lvl="1"/>
+            <a:r>
+              <a:rPr lang="en-US" smtClean="0"/>
+              <a:t>Second level</a:t>
+            </a:r>
+          </a:p>
+          <a:p>
+            <a:pPr lvl="2"/>
+            <a:r>
+              <a:rPr lang="en-US" smtClean="0"/>
+              <a:t>Third level</a:t>
+            </a:r>
+          </a:p>
+          <a:p>
+            <a:pPr lvl="3"/>
+            <a:r>
+              <a:rPr lang="en-US" smtClean="0"/>
+              <a:t>Fourth level</a:t>
+            </a:r>
+          </a:p>
+          <a:p>
+            <a:pPr lvl="4"/>
+            <a:r>
+              <a:rPr lang="en-US" smtClean="0"/>
+              <a:t>Fifth level</a:t>
+            </a:r>
+            <a:endParaRPr lang="en-US"/>
+          </a:p>
+        </p:txBody>
+      </p:sp>
+      <p:sp>
+        <p:nvSpPr>
+          <p:cNvPr id="6" name="Footer Placeholder 5"/>
+          <p:cNvSpPr>
+            <a:spLocks noGrp="1"/>
+          </p:cNvSpPr>
+          <p:nvPr>
+            <p:ph type="ftr" sz="quarter" idx="4"/>
+          </p:nvPr>
+        </p:nvSpPr>
+        <p:spPr>
+          <a:xfrm>
+            <a:off x="0" y="8685213"/>
+            <a:ext cx="2971800" cy="458787"/>
+          </a:xfrm>
+          <a:prstGeom prst="rect">
+            <a:avLst/>
+          </a:prstGeom>
+        </p:spPr>
+        <p:txBody>
+          <a:bodyPr vert="horz" lIns="91440" tIns="45720" rIns="91440" bIns="45720" rtlCol="0" anchor="b"/>
+          <a:lstStyle>
+            <a:lvl1pPr algn="l">
+              <a:defRPr sz="1200"/>
+            </a:lvl1pPr>
+          </a:lstStyle>
+          <a:p>
+            <a:endParaRPr lang="en-US"/>
+          </a:p>
+        </p:txBody>
+      </p:sp>
+      <p:sp>
+        <p:nvSpPr>
+          <p:cNvPr id="7" name="Slide Number Placeholder 6"/>
+          <p:cNvSpPr>
+            <a:spLocks noGrp="1"/>
+          </p:cNvSpPr>
+          <p:nvPr>
+            <p:ph type="sldNum" sz="quarter" idx="5"/>
+          </p:nvPr>
+        </p:nvSpPr>
+        <p:spPr>
+          <a:xfrm>
+            <a:off x="3884613" y="8685213"/>
+            <a:ext cx="2971800" cy="458787"/>
+          </a:xfrm>
+          <a:prstGeom prst="rect">
+            <a:avLst/>
+          </a:prstGeom>
+        </p:spPr>
+        <p:txBody>
+          <a:bodyPr vert="horz" lIns="91440" tIns="45720" rIns="91440" bIns="45720" rtlCol="0" anchor="b"/>
+          <a:lstStyle>
+            <a:lvl1pPr algn="r">
+              <a:defRPr sz="1200"/>
+            </a:lvl1pPr>
+          </a:lstStyle>
+          <a:p>
+            <a:fld id="{8FDAF980-B096-9343-BB15-17FD677524E2}" type="slidenum">
+              <a:rPr lang="en-US" smtClean="0"/>
+              <a:t>‹#›</a:t>
+            </a:fld>
+            <a:endParaRPr lang="en-US"/>
+          </a:p>
+        </p:txBody>
+      </p:sp>
+    </p:spTree>
+    <p:extLst>
+      <p:ext uri="{BB962C8B-B14F-4D97-AF65-F5344CB8AC3E}">
+        <p14:creationId xmlns:p14="http://schemas.microsoft.com/office/powerpoint/2010/main" val="2122929350"/>
+      </p:ext>
+    </p:extLst>
+  </p:cSld>
+  <p:clrMap bg1="lt1" tx1="dk1" bg2="lt2" tx2="dk2" accent1="accent1" accent2="accent2" accent3="accent3" accent4="accent4" accent5="accent5" accent6="accent6" hlink="hlink" folHlink="folHlink"/>
+  <p:notesStyle>
+    <a:lvl1pPr marL="0" algn="l" defTabSz="914400" rtl="0" eaLnBrk="1" latinLnBrk="0" hangingPunct="1">
+      <a:defRPr sz="1200" kern="1200">
+        <a:solidFill>
+          <a:schemeClr val="tx1"/>
+        </a:solidFill>
+        <a:latin typeface="+mn-lt"/>
+        <a:ea typeface="+mn-ea"/>
+        <a:cs typeface="+mn-cs"/>
+      </a:defRPr>
+    </a:lvl1pPr>
+    <a:lvl2pPr marL="457200" algn="l" defTabSz="914400" rtl="0" eaLnBrk="1" latinLnBrk="0" hangingPunct="1">
+      <a:defRPr sz="1200" kern="1200">
+        <a:solidFill>
+          <a:schemeClr val="tx1"/>
+        </a:solidFill>
+        <a:latin typeface="+mn-lt"/>
+        <a:ea typeface="+mn-ea"/>
+        <a:cs typeface="+mn-cs"/>
+      </a:defRPr>
+    </a:lvl2pPr>
+    <a:lvl3pPr marL="914400" algn="l" defTabSz="914400" rtl="0" eaLnBrk="1" latinLnBrk="0" hangingPunct="1">
+      <a:defRPr sz="1200" kern="1200">
+        <a:solidFill>
+          <a:schemeClr val="tx1"/>
+        </a:solidFill>
+        <a:latin typeface="+mn-lt"/>
+        <a:ea typeface="+mn-ea"/>
+        <a:cs typeface="+mn-cs"/>
+      </a:defRPr>
+    </a:lvl3pPr>
+    <a:lvl4pPr marL="1371600" algn="l" defTabSz="914400" rtl="0" eaLnBrk="1" latinLnBrk="0" hangingPunct="1">
+      <a:defRPr sz="1200" kern="1200">
+        <a:solidFill>
+          <a:schemeClr val="tx1"/>
+        </a:solidFill>
+        <a:latin typeface="+mn-lt"/>
+        <a:ea typeface="+mn-ea"/>
+        <a:cs typeface="+mn-cs"/>
+      </a:defRPr>
+    </a:lvl4pPr>
+    <a:lvl5pPr marL="1828800" algn="l" defTabSz="914400" rtl="0" eaLnBrk="1" latinLnBrk="0" hangingPunct="1">
+      <a:defRPr sz="1200" kern="1200">
+        <a:solidFill>
+          <a:schemeClr val="tx1"/>
+        </a:solidFill>
+        <a:latin typeface="+mn-lt"/>
+        <a:ea typeface="+mn-ea"/>
+        <a:cs typeface="+mn-cs"/>
+      </a:defRPr>
+    </a:lvl5pPr>
+    <a:lvl6pPr marL="2286000" algn="l" defTabSz="914400" rtl="0" eaLnBrk="1" latinLnBrk="0" hangingPunct="1">
+      <a:defRPr sz="1200" kern="1200">
+        <a:solidFill>
+          <a:schemeClr val="tx1"/>
+        </a:solidFill>
+        <a:latin typeface="+mn-lt"/>
+        <a:ea typeface="+mn-ea"/>
+        <a:cs typeface="+mn-cs"/>
+      </a:defRPr>
+    </a:lvl6pPr>
+    <a:lvl7pPr marL="2743200" algn="l" defTabSz="914400" rtl="0" eaLnBrk="1" latinLnBrk="0" hangingPunct="1">
+      <a:defRPr sz="1200" kern="1200">
+        <a:solidFill>
+          <a:schemeClr val="tx1"/>
+        </a:solidFill>
+        <a:latin typeface="+mn-lt"/>
+        <a:ea typeface="+mn-ea"/>
+        <a:cs typeface="+mn-cs"/>
+      </a:defRPr>
+    </a:lvl7pPr>
+    <a:lvl8pPr marL="3200400" algn="l" defTabSz="914400" rtl="0" eaLnBrk="1" latinLnBrk="0" hangingPunct="1">
+      <a:defRPr sz="1200" kern="1200">
+        <a:solidFill>
+          <a:schemeClr val="tx1"/>
+        </a:solidFill>
+        <a:latin typeface="+mn-lt"/>
+        <a:ea typeface="+mn-ea"/>
+        <a:cs typeface="+mn-cs"/>
+      </a:defRPr>
+    </a:lvl8pPr>
+    <a:lvl9pPr marL="3657600" algn="l" defTabSz="914400" rtl="0" eaLnBrk="1" latinLnBrk="0" hangingPunct="1">
+      <a:defRPr sz="1200" kern="1200">
+        <a:solidFill>
+          <a:schemeClr val="tx1"/>
+        </a:solidFill>
+        <a:latin typeface="+mn-lt"/>
+        <a:ea typeface="+mn-ea"/>
+        <a:cs typeface="+mn-cs"/>
+      </a:defRPr>
+    </a:lvl9pPr>
+  </p:notesStyle>
+</p:notesMaster>
+</file>
+
+<file path=ppt/notesSlides/notesSlide1.xml><?xml version="1.0" encoding="utf-8"?>
+<p:notes xmlns:a="http://schemas.openxmlformats.org/drawingml/2006/main" xmlns:r="http://schemas.openxmlformats.org/officeDocument/2006/relationships" xmlns:p="http://schemas.openxmlformats.org/presentationml/2006/main">
+  <p:cSld>
+    <p:spTree>
+      <p:nvGrpSpPr>
+        <p:cNvPr id="1" name=""/>
+        <p:cNvGrpSpPr/>
+        <p:nvPr/>
+      </p:nvGrpSpPr>
+      <p:grpSpPr>
+        <a:xfrm>
+          <a:off x="0" y="0"/>
+          <a:ext cx="0" cy="0"/>
+          <a:chOff x="0" y="0"/>
+          <a:chExt cx="0" cy="0"/>
+        </a:xfrm>
+      </p:grpSpPr>
+      <p:sp>
+        <p:nvSpPr>
+          <p:cNvPr id="2" name="Slide Image Placeholder 1"/>
+          <p:cNvSpPr>
+            <a:spLocks noGrp="1" noRot="1" noChangeAspect="1"/>
+          </p:cNvSpPr>
+          <p:nvPr>
+            <p:ph type="sldImg"/>
+          </p:nvPr>
+        </p:nvSpPr>
+        <p:spPr/>
+      </p:sp>
+      <p:sp>
+        <p:nvSpPr>
+          <p:cNvPr id="3" name="Notes Placeholder 2"/>
+          <p:cNvSpPr>
+            <a:spLocks noGrp="1"/>
+          </p:cNvSpPr>
+          <p:nvPr>
+            <p:ph type="body" idx="1"/>
+          </p:nvPr>
+        </p:nvSpPr>
+        <p:spPr/>
+        <p:txBody>
+          <a:bodyPr/>
+          <a:lstStyle/>
+          <a:p>
+            <a:endParaRPr lang="en-US" dirty="0"/>
+          </a:p>
+        </p:txBody>
+      </p:sp>
+      <p:sp>
+        <p:nvSpPr>
+          <p:cNvPr id="4" name="Slide Number Placeholder 3"/>
+          <p:cNvSpPr>
+            <a:spLocks noGrp="1"/>
+          </p:cNvSpPr>
+          <p:nvPr>
+            <p:ph type="sldNum" sz="quarter" idx="10"/>
+          </p:nvPr>
+        </p:nvSpPr>
+        <p:spPr/>
+        <p:txBody>
+          <a:bodyPr/>
+          <a:lstStyle/>
+          <a:p>
+            <a:fld id="{8FDAF980-B096-9343-BB15-17FD677524E2}" type="slidenum">
+              <a:rPr lang="en-US" smtClean="0"/>
+              <a:t>3</a:t>
+            </a:fld>
+            <a:endParaRPr lang="en-US"/>
+          </a:p>
+        </p:txBody>
+      </p:sp>
+    </p:spTree>
+    <p:extLst>
+      <p:ext uri="{BB962C8B-B14F-4D97-AF65-F5344CB8AC3E}">
+        <p14:creationId xmlns:p14="http://schemas.microsoft.com/office/powerpoint/2010/main" val="1780274192"/>
+      </p:ext>
+    </p:extLst>
+  </p:cSld>
+  <p:clrMapOvr>
+    <a:masterClrMapping/>
+  </p:clrMapOvr>
+</p:notes>
 </file>
 
 <file path=ppt/slideLayouts/slideLayout1.xml><?xml version="1.0" encoding="utf-8"?>
@@ -3307,7 +3752,31 @@
                 <a:ea typeface="Times New Roman" charset="0"/>
                 <a:cs typeface="Times New Roman" charset="0"/>
               </a:rPr>
-              <a:t>their patients when they are not in a hospital. Recording body condition at home involves searching information online, taking notes and getting medical help from doctors. Most applications require a laptop and only provides a few functions for patients.</a:t>
+              <a:t>their patients when they are not in a hospital. Recording </a:t>
+            </a:r>
+            <a:r>
+              <a:rPr lang="en-US" dirty="0" smtClean="0">
+                <a:latin typeface="Times New Roman" charset="0"/>
+                <a:ea typeface="Times New Roman" charset="0"/>
+                <a:cs typeface="Times New Roman" charset="0"/>
+              </a:rPr>
+              <a:t>data </a:t>
+            </a:r>
+            <a:r>
+              <a:rPr lang="en-US" dirty="0" smtClean="0">
+                <a:latin typeface="Times New Roman" charset="0"/>
+                <a:ea typeface="Times New Roman" charset="0"/>
+                <a:cs typeface="Times New Roman" charset="0"/>
+              </a:rPr>
+              <a:t>at </a:t>
+            </a:r>
+            <a:r>
+              <a:rPr lang="en-US" dirty="0">
+                <a:latin typeface="Times New Roman" charset="0"/>
+                <a:ea typeface="Times New Roman" charset="0"/>
+                <a:cs typeface="Times New Roman" charset="0"/>
+              </a:rPr>
+              <a:t>home involves searching information online, taking notes and getting medical help from doctors. Most applications require a laptop and only provides a few functions for patients.</a:t>
             </a:r>
           </a:p>
         </p:txBody>
@@ -3433,7 +3902,23 @@
                 <a:ea typeface="Times New Roman" charset="0"/>
                 <a:cs typeface="Times New Roman" charset="0"/>
               </a:rPr>
-              <a:t>use, but it also need to provide enough functions for either patients or doctors.</a:t>
+              <a:t>use, but it also need to provide enough functions for </a:t>
+            </a:r>
+            <a:r>
+              <a:rPr lang="en-US" dirty="0" smtClean="0">
+                <a:latin typeface="Times New Roman" charset="0"/>
+                <a:ea typeface="Times New Roman" charset="0"/>
+                <a:cs typeface="Times New Roman" charset="0"/>
+              </a:rPr>
+              <a:t>both patients and doctors</a:t>
+            </a:r>
+            <a:r>
+              <a:rPr lang="en-US" dirty="0" smtClean="0">
+                <a:latin typeface="Times New Roman" charset="0"/>
+                <a:ea typeface="Times New Roman" charset="0"/>
+                <a:cs typeface="Times New Roman" charset="0"/>
+              </a:rPr>
+              <a:t>.</a:t>
             </a:r>
             <a:endParaRPr lang="en-US" dirty="0">
               <a:latin typeface="Times New Roman" charset="0"/>
@@ -3464,112 +3949,6 @@
 </file>
 
 <file path=ppt/slides/slide4.xml><?xml version="1.0" encoding="utf-8"?>
-<p:sld xmlns:a="http://schemas.openxmlformats.org/drawingml/2006/main" xmlns:r="http://schemas.openxmlformats.org/officeDocument/2006/relationships" xmlns:p="http://schemas.openxmlformats.org/presentationml/2006/main">
-  <p:cSld>
-    <p:spTree>
-      <p:nvGrpSpPr>
-        <p:cNvPr id="1" name=""/>
-        <p:cNvGrpSpPr/>
-        <p:nvPr/>
-      </p:nvGrpSpPr>
-      <p:grpSpPr>
-        <a:xfrm>
-          <a:off x="0" y="0"/>
-          <a:ext cx="0" cy="0"/>
-          <a:chOff x="0" y="0"/>
-          <a:chExt cx="0" cy="0"/>
-        </a:xfrm>
-      </p:grpSpPr>
-      <p:sp>
-        <p:nvSpPr>
-          <p:cNvPr id="2" name="Title 1"/>
-          <p:cNvSpPr>
-            <a:spLocks noGrp="1"/>
-          </p:cNvSpPr>
-          <p:nvPr>
-            <p:ph type="title"/>
-          </p:nvPr>
-        </p:nvSpPr>
-        <p:spPr/>
-        <p:txBody>
-          <a:bodyPr/>
-          <a:lstStyle/>
-          <a:p>
-            <a:r>
-              <a:rPr lang="en-US" dirty="0" smtClean="0">
-                <a:latin typeface="Times New Roman" charset="0"/>
-                <a:ea typeface="Times New Roman" charset="0"/>
-                <a:cs typeface="Times New Roman" charset="0"/>
-              </a:rPr>
-              <a:t>User Interface:</a:t>
-            </a:r>
-            <a:endParaRPr lang="en-US" dirty="0">
-              <a:latin typeface="Times New Roman" charset="0"/>
-              <a:ea typeface="Times New Roman" charset="0"/>
-              <a:cs typeface="Times New Roman" charset="0"/>
-            </a:endParaRPr>
-          </a:p>
-        </p:txBody>
-      </p:sp>
-      <p:sp>
-        <p:nvSpPr>
-          <p:cNvPr id="22" name="TextBox 21"/>
-          <p:cNvSpPr txBox="1"/>
-          <p:nvPr/>
-        </p:nvSpPr>
-        <p:spPr>
-          <a:xfrm>
-            <a:off x="9881811" y="3808113"/>
-            <a:ext cx="2344205" cy="461665"/>
-          </a:xfrm>
-          <a:prstGeom prst="rect">
-            <a:avLst/>
-          </a:prstGeom>
-          <a:noFill/>
-        </p:spPr>
-        <p:txBody>
-          <a:bodyPr wrap="square" rtlCol="0">
-            <a:spAutoFit/>
-          </a:bodyPr>
-          <a:lstStyle/>
-          <a:p>
-            <a:r>
-              <a:rPr lang="en-US" sz="2400" smtClean="0">
-                <a:latin typeface="Times New Roman" charset="0"/>
-                <a:ea typeface="Times New Roman" charset="0"/>
-                <a:cs typeface="Times New Roman" charset="0"/>
-              </a:rPr>
-              <a:t>Tone Analysis</a:t>
-            </a:r>
-            <a:endParaRPr lang="en-US" sz="2400" dirty="0">
-              <a:latin typeface="Times New Roman" charset="0"/>
-              <a:ea typeface="Times New Roman" charset="0"/>
-              <a:cs typeface="Times New Roman" charset="0"/>
-            </a:endParaRPr>
-          </a:p>
-        </p:txBody>
-      </p:sp>
-    </p:spTree>
-    <p:extLst>
-      <p:ext uri="{BB962C8B-B14F-4D97-AF65-F5344CB8AC3E}">
-        <p14:creationId xmlns:p14="http://schemas.microsoft.com/office/powerpoint/2010/main" val="1571641319"/>
-      </p:ext>
-    </p:extLst>
-  </p:cSld>
-  <p:clrMapOvr>
-    <a:masterClrMapping/>
-  </p:clrMapOvr>
-  <p:timing>
-    <p:tnLst>
-      <p:par>
-        <p:cTn id="1" dur="indefinite" restart="never" nodeType="tmRoot"/>
-      </p:par>
-    </p:tnLst>
-  </p:timing>
-</p:sld>
-</file>
-
-<file path=ppt/slides/slide5.xml><?xml version="1.0" encoding="utf-8"?>
 <p:sld xmlns:a="http://schemas.openxmlformats.org/drawingml/2006/main" xmlns:r="http://schemas.openxmlformats.org/officeDocument/2006/relationships" xmlns:p="http://schemas.openxmlformats.org/presentationml/2006/main">
   <p:cSld>
     <p:spTree>
@@ -3905,6 +4284,119 @@
 </p:sld>
 </file>
 
+<file path=ppt/slides/slide5.xml><?xml version="1.0" encoding="utf-8"?>
+<p:sld xmlns:a="http://schemas.openxmlformats.org/drawingml/2006/main" xmlns:r="http://schemas.openxmlformats.org/officeDocument/2006/relationships" xmlns:p="http://schemas.openxmlformats.org/presentationml/2006/main">
+  <p:cSld>
+    <p:spTree>
+      <p:nvGrpSpPr>
+        <p:cNvPr id="1" name=""/>
+        <p:cNvGrpSpPr/>
+        <p:nvPr/>
+      </p:nvGrpSpPr>
+      <p:grpSpPr>
+        <a:xfrm>
+          <a:off x="0" y="0"/>
+          <a:ext cx="0" cy="0"/>
+          <a:chOff x="0" y="0"/>
+          <a:chExt cx="0" cy="0"/>
+        </a:xfrm>
+      </p:grpSpPr>
+      <p:sp>
+        <p:nvSpPr>
+          <p:cNvPr id="2" name="Title 1"/>
+          <p:cNvSpPr>
+            <a:spLocks noGrp="1"/>
+          </p:cNvSpPr>
+          <p:nvPr>
+            <p:ph type="title"/>
+          </p:nvPr>
+        </p:nvSpPr>
+        <p:spPr>
+          <a:xfrm>
+            <a:off x="612913" y="224941"/>
+            <a:ext cx="10515600" cy="1325563"/>
+          </a:xfrm>
+        </p:spPr>
+        <p:txBody>
+          <a:bodyPr>
+            <a:normAutofit/>
+          </a:bodyPr>
+          <a:lstStyle/>
+          <a:p>
+            <a:r>
+              <a:rPr lang="en-US" sz="3500" dirty="0" smtClean="0">
+                <a:latin typeface="Times New Roman" charset="0"/>
+                <a:ea typeface="Times New Roman" charset="0"/>
+                <a:cs typeface="Times New Roman" charset="0"/>
+              </a:rPr>
+              <a:t>User </a:t>
+            </a:r>
+            <a:r>
+              <a:rPr lang="en-US" sz="3500" dirty="0" smtClean="0">
+                <a:latin typeface="Times New Roman" charset="0"/>
+                <a:ea typeface="Times New Roman" charset="0"/>
+                <a:cs typeface="Times New Roman" charset="0"/>
+              </a:rPr>
+              <a:t>Interface:</a:t>
+            </a:r>
+            <a:endParaRPr lang="en-US" sz="3500" dirty="0">
+              <a:latin typeface="Times New Roman" charset="0"/>
+              <a:ea typeface="Times New Roman" charset="0"/>
+              <a:cs typeface="Times New Roman" charset="0"/>
+            </a:endParaRPr>
+          </a:p>
+        </p:txBody>
+      </p:sp>
+      <p:pic>
+        <p:nvPicPr>
+          <p:cNvPr id="4" name="Picture 3"/>
+          <p:cNvPicPr>
+            <a:picLocks noChangeAspect="1"/>
+          </p:cNvPicPr>
+          <p:nvPr/>
+        </p:nvPicPr>
+        <p:blipFill>
+          <a:blip r:embed="rId2">
+            <a:extLst>
+              <a:ext uri="{28A0092B-C50C-407E-A947-70E740481C1C}">
+                <a14:useLocalDpi xmlns:a14="http://schemas.microsoft.com/office/drawing/2010/main" val="0"/>
+              </a:ext>
+            </a:extLst>
+          </a:blip>
+          <a:stretch>
+            <a:fillRect/>
+          </a:stretch>
+        </p:blipFill>
+        <p:spPr>
+          <a:xfrm>
+            <a:off x="2001941" y="1431235"/>
+            <a:ext cx="8000128" cy="4830417"/>
+          </a:xfrm>
+          <a:prstGeom prst="rect">
+            <a:avLst/>
+          </a:prstGeom>
+        </p:spPr>
+      </p:pic>
+    </p:spTree>
+    <p:extLst>
+      <p:ext uri="{BB962C8B-B14F-4D97-AF65-F5344CB8AC3E}">
+        <p14:creationId xmlns:p14="http://schemas.microsoft.com/office/powerpoint/2010/main" val="1571641319"/>
+      </p:ext>
+    </p:extLst>
+  </p:cSld>
+  <p:clrMapOvr>
+    <a:masterClrMapping/>
+  </p:clrMapOvr>
+  <p:timing>
+    <p:tnLst>
+      <p:par>
+        <p:cTn id="1" dur="indefinite" restart="never" nodeType="tmRoot"/>
+      </p:par>
+    </p:tnLst>
+  </p:timing>
+</p:sld>
+</file>
+
 <file path=ppt/slides/slide6.xml><?xml version="1.0" encoding="utf-8"?>
 <p:sld xmlns:a="http://schemas.openxmlformats.org/drawingml/2006/main" xmlns:r="http://schemas.openxmlformats.org/officeDocument/2006/relationships" xmlns:p="http://schemas.openxmlformats.org/presentationml/2006/main">
   <p:cSld>
@@ -3937,7 +4429,667 @@
           <a:bodyPr/>
           <a:lstStyle/>
           <a:p>
-            <a:endParaRPr lang="en-US" dirty="0"/>
+            <a:r>
+              <a:rPr lang="en-US" dirty="0" smtClean="0">
+                <a:latin typeface="Times New Roman" charset="0"/>
+                <a:ea typeface="Times New Roman" charset="0"/>
+                <a:cs typeface="Times New Roman" charset="0"/>
+              </a:rPr>
+              <a:t>Functionalities:</a:t>
+            </a:r>
+            <a:endParaRPr lang="en-US" dirty="0">
+              <a:latin typeface="Times New Roman" charset="0"/>
+              <a:ea typeface="Times New Roman" charset="0"/>
+              <a:cs typeface="Times New Roman" charset="0"/>
+            </a:endParaRPr>
+          </a:p>
+        </p:txBody>
+      </p:sp>
+      <p:sp>
+        <p:nvSpPr>
+          <p:cNvPr id="4" name="Content Placeholder 2"/>
+          <p:cNvSpPr txBox="1">
+            <a:spLocks/>
+          </p:cNvSpPr>
+          <p:nvPr/>
+        </p:nvSpPr>
+        <p:spPr>
+          <a:xfrm>
+            <a:off x="6503504" y="1825625"/>
+            <a:ext cx="4648200" cy="4351338"/>
+          </a:xfrm>
+          <a:prstGeom prst="rect">
+            <a:avLst/>
+          </a:prstGeom>
+        </p:spPr>
+        <p:txBody>
+          <a:bodyPr vert="horz" lIns="91440" tIns="45720" rIns="91440" bIns="45720" rtlCol="0">
+            <a:noAutofit/>
+          </a:bodyPr>
+          <a:lstStyle>
+            <a:lvl1pPr marL="228600" indent="-228600" algn="l" defTabSz="914400" rtl="0" eaLnBrk="1" latinLnBrk="0" hangingPunct="1">
+              <a:lnSpc>
+                <a:spcPct val="90000"/>
+              </a:lnSpc>
+              <a:spcBef>
+                <a:spcPts val="1000"/>
+              </a:spcBef>
+              <a:buFont typeface="Arial"/>
+              <a:buChar char="•"/>
+              <a:defRPr sz="2800" kern="1200">
+                <a:solidFill>
+                  <a:schemeClr val="tx1"/>
+                </a:solidFill>
+                <a:latin typeface="+mn-lt"/>
+                <a:ea typeface="+mn-ea"/>
+                <a:cs typeface="+mn-cs"/>
+              </a:defRPr>
+            </a:lvl1pPr>
+            <a:lvl2pPr marL="685800" indent="-228600" algn="l" defTabSz="914400" rtl="0" eaLnBrk="1" latinLnBrk="0" hangingPunct="1">
+              <a:lnSpc>
+                <a:spcPct val="90000"/>
+              </a:lnSpc>
+              <a:spcBef>
+                <a:spcPts val="500"/>
+              </a:spcBef>
+              <a:buFont typeface="Arial"/>
+              <a:buChar char="•"/>
+              <a:defRPr sz="2400" kern="1200">
+                <a:solidFill>
+                  <a:schemeClr val="tx1"/>
+                </a:solidFill>
+                <a:latin typeface="+mn-lt"/>
+                <a:ea typeface="+mn-ea"/>
+                <a:cs typeface="+mn-cs"/>
+              </a:defRPr>
+            </a:lvl2pPr>
+            <a:lvl3pPr marL="1143000" indent="-228600" algn="l" defTabSz="914400" rtl="0" eaLnBrk="1" latinLnBrk="0" hangingPunct="1">
+              <a:lnSpc>
+                <a:spcPct val="90000"/>
+              </a:lnSpc>
+              <a:spcBef>
+                <a:spcPts val="500"/>
+              </a:spcBef>
+              <a:buFont typeface="Arial"/>
+              <a:buChar char="•"/>
+              <a:defRPr sz="2000" kern="1200">
+                <a:solidFill>
+                  <a:schemeClr val="tx1"/>
+                </a:solidFill>
+                <a:latin typeface="+mn-lt"/>
+                <a:ea typeface="+mn-ea"/>
+                <a:cs typeface="+mn-cs"/>
+              </a:defRPr>
+            </a:lvl3pPr>
+            <a:lvl4pPr marL="1600200" indent="-228600" algn="l" defTabSz="914400" rtl="0" eaLnBrk="1" latinLnBrk="0" hangingPunct="1">
+              <a:lnSpc>
+                <a:spcPct val="90000"/>
+              </a:lnSpc>
+              <a:spcBef>
+                <a:spcPts val="500"/>
+              </a:spcBef>
+              <a:buFont typeface="Arial"/>
+              <a:buChar char="•"/>
+              <a:defRPr sz="1800" kern="1200">
+                <a:solidFill>
+                  <a:schemeClr val="tx1"/>
+                </a:solidFill>
+                <a:latin typeface="+mn-lt"/>
+                <a:ea typeface="+mn-ea"/>
+                <a:cs typeface="+mn-cs"/>
+              </a:defRPr>
+            </a:lvl4pPr>
+            <a:lvl5pPr marL="2057400" indent="-228600" algn="l" defTabSz="914400" rtl="0" eaLnBrk="1" latinLnBrk="0" hangingPunct="1">
+              <a:lnSpc>
+                <a:spcPct val="90000"/>
+              </a:lnSpc>
+              <a:spcBef>
+                <a:spcPts val="500"/>
+              </a:spcBef>
+              <a:buFont typeface="Arial"/>
+              <a:buChar char="•"/>
+              <a:defRPr sz="1800" kern="1200">
+                <a:solidFill>
+                  <a:schemeClr val="tx1"/>
+                </a:solidFill>
+                <a:latin typeface="+mn-lt"/>
+                <a:ea typeface="+mn-ea"/>
+                <a:cs typeface="+mn-cs"/>
+              </a:defRPr>
+            </a:lvl5pPr>
+            <a:lvl6pPr marL="2514600" indent="-228600" algn="l" defTabSz="914400" rtl="0" eaLnBrk="1" latinLnBrk="0" hangingPunct="1">
+              <a:lnSpc>
+                <a:spcPct val="90000"/>
+              </a:lnSpc>
+              <a:spcBef>
+                <a:spcPts val="500"/>
+              </a:spcBef>
+              <a:buFont typeface="Arial"/>
+              <a:buChar char="•"/>
+              <a:defRPr sz="1800" kern="1200">
+                <a:solidFill>
+                  <a:schemeClr val="tx1"/>
+                </a:solidFill>
+                <a:latin typeface="+mn-lt"/>
+                <a:ea typeface="+mn-ea"/>
+                <a:cs typeface="+mn-cs"/>
+              </a:defRPr>
+            </a:lvl6pPr>
+            <a:lvl7pPr marL="2971800" indent="-228600" algn="l" defTabSz="914400" rtl="0" eaLnBrk="1" latinLnBrk="0" hangingPunct="1">
+              <a:lnSpc>
+                <a:spcPct val="90000"/>
+              </a:lnSpc>
+              <a:spcBef>
+                <a:spcPts val="500"/>
+              </a:spcBef>
+              <a:buFont typeface="Arial"/>
+              <a:buChar char="•"/>
+              <a:defRPr sz="1800" kern="1200">
+                <a:solidFill>
+                  <a:schemeClr val="tx1"/>
+                </a:solidFill>
+                <a:latin typeface="+mn-lt"/>
+                <a:ea typeface="+mn-ea"/>
+                <a:cs typeface="+mn-cs"/>
+              </a:defRPr>
+            </a:lvl7pPr>
+            <a:lvl8pPr marL="3429000" indent="-228600" algn="l" defTabSz="914400" rtl="0" eaLnBrk="1" latinLnBrk="0" hangingPunct="1">
+              <a:lnSpc>
+                <a:spcPct val="90000"/>
+              </a:lnSpc>
+              <a:spcBef>
+                <a:spcPts val="500"/>
+              </a:spcBef>
+              <a:buFont typeface="Arial"/>
+              <a:buChar char="•"/>
+              <a:defRPr sz="1800" kern="1200">
+                <a:solidFill>
+                  <a:schemeClr val="tx1"/>
+                </a:solidFill>
+                <a:latin typeface="+mn-lt"/>
+                <a:ea typeface="+mn-ea"/>
+                <a:cs typeface="+mn-cs"/>
+              </a:defRPr>
+            </a:lvl8pPr>
+            <a:lvl9pPr marL="3886200" indent="-228600" algn="l" defTabSz="914400" rtl="0" eaLnBrk="1" latinLnBrk="0" hangingPunct="1">
+              <a:lnSpc>
+                <a:spcPct val="90000"/>
+              </a:lnSpc>
+              <a:spcBef>
+                <a:spcPts val="500"/>
+              </a:spcBef>
+              <a:buFont typeface="Arial"/>
+              <a:buChar char="•"/>
+              <a:defRPr sz="1800" kern="1200">
+                <a:solidFill>
+                  <a:schemeClr val="tx1"/>
+                </a:solidFill>
+                <a:latin typeface="+mn-lt"/>
+                <a:ea typeface="+mn-ea"/>
+                <a:cs typeface="+mn-cs"/>
+              </a:defRPr>
+            </a:lvl9pPr>
+          </a:lstStyle>
+          <a:p>
+            <a:pPr>
+              <a:lnSpc>
+                <a:spcPct val="150000"/>
+              </a:lnSpc>
+            </a:pPr>
+            <a:r>
+              <a:rPr lang="en-US" sz="2500" dirty="0" err="1" smtClean="0">
+                <a:latin typeface="Times New Roman" charset="0"/>
+                <a:ea typeface="Times New Roman" charset="0"/>
+                <a:cs typeface="Times New Roman" charset="0"/>
+              </a:rPr>
+              <a:t>Bluemix</a:t>
+            </a:r>
+            <a:r>
+              <a:rPr lang="en-US" sz="2500" dirty="0" smtClean="0">
+                <a:latin typeface="Times New Roman" charset="0"/>
+                <a:ea typeface="Times New Roman" charset="0"/>
+                <a:cs typeface="Times New Roman" charset="0"/>
+              </a:rPr>
+              <a:t> Services:</a:t>
+            </a:r>
+          </a:p>
+          <a:p>
+            <a:pPr lvl="1">
+              <a:lnSpc>
+                <a:spcPct val="150000"/>
+              </a:lnSpc>
+            </a:pPr>
+            <a:r>
+              <a:rPr lang="en-US" sz="2500" dirty="0" smtClean="0">
+                <a:latin typeface="Times New Roman" charset="0"/>
+                <a:ea typeface="Times New Roman" charset="0"/>
+                <a:cs typeface="Times New Roman" charset="0"/>
+              </a:rPr>
+              <a:t>Tone analysis on log files</a:t>
+            </a:r>
+          </a:p>
+          <a:p>
+            <a:pPr lvl="1">
+              <a:lnSpc>
+                <a:spcPct val="150000"/>
+              </a:lnSpc>
+            </a:pPr>
+            <a:r>
+              <a:rPr lang="en-US" sz="2500" dirty="0">
+                <a:latin typeface="Times New Roman" charset="0"/>
+                <a:ea typeface="Times New Roman" charset="0"/>
+                <a:cs typeface="Times New Roman" charset="0"/>
+              </a:rPr>
+              <a:t>Speech to </a:t>
+            </a:r>
+            <a:r>
+              <a:rPr lang="en-US" sz="2500" dirty="0" smtClean="0">
+                <a:latin typeface="Times New Roman" charset="0"/>
+                <a:ea typeface="Times New Roman" charset="0"/>
+                <a:cs typeface="Times New Roman" charset="0"/>
+              </a:rPr>
+              <a:t>text</a:t>
+            </a:r>
+          </a:p>
+          <a:p>
+            <a:pPr>
+              <a:lnSpc>
+                <a:spcPct val="150000"/>
+              </a:lnSpc>
+            </a:pPr>
+            <a:endParaRPr lang="en-US" sz="2500" dirty="0" smtClean="0">
+              <a:latin typeface="Times New Roman" charset="0"/>
+              <a:ea typeface="Times New Roman" charset="0"/>
+              <a:cs typeface="Times New Roman" charset="0"/>
+            </a:endParaRPr>
+          </a:p>
+          <a:p>
+            <a:pPr>
+              <a:lnSpc>
+                <a:spcPct val="150000"/>
+              </a:lnSpc>
+            </a:pPr>
+            <a:endParaRPr lang="en-US" sz="2500" dirty="0">
+              <a:latin typeface="Times New Roman" charset="0"/>
+              <a:ea typeface="Times New Roman" charset="0"/>
+              <a:cs typeface="Times New Roman" charset="0"/>
+            </a:endParaRPr>
+          </a:p>
+        </p:txBody>
+      </p:sp>
+      <p:sp>
+        <p:nvSpPr>
+          <p:cNvPr id="5" name="Content Placeholder 2"/>
+          <p:cNvSpPr txBox="1">
+            <a:spLocks/>
+          </p:cNvSpPr>
+          <p:nvPr/>
+        </p:nvSpPr>
+        <p:spPr>
+          <a:xfrm>
+            <a:off x="1086678" y="1825625"/>
+            <a:ext cx="4648200" cy="4351338"/>
+          </a:xfrm>
+          <a:prstGeom prst="rect">
+            <a:avLst/>
+          </a:prstGeom>
+        </p:spPr>
+        <p:txBody>
+          <a:bodyPr vert="horz" lIns="91440" tIns="45720" rIns="91440" bIns="45720" rtlCol="0">
+            <a:noAutofit/>
+          </a:bodyPr>
+          <a:lstStyle>
+            <a:lvl1pPr marL="228600" indent="-228600" algn="l" defTabSz="914400" rtl="0" eaLnBrk="1" latinLnBrk="0" hangingPunct="1">
+              <a:lnSpc>
+                <a:spcPct val="90000"/>
+              </a:lnSpc>
+              <a:spcBef>
+                <a:spcPts val="1000"/>
+              </a:spcBef>
+              <a:buFont typeface="Arial"/>
+              <a:buChar char="•"/>
+              <a:defRPr sz="2800" kern="1200">
+                <a:solidFill>
+                  <a:schemeClr val="tx1"/>
+                </a:solidFill>
+                <a:latin typeface="+mn-lt"/>
+                <a:ea typeface="+mn-ea"/>
+                <a:cs typeface="+mn-cs"/>
+              </a:defRPr>
+            </a:lvl1pPr>
+            <a:lvl2pPr marL="685800" indent="-228600" algn="l" defTabSz="914400" rtl="0" eaLnBrk="1" latinLnBrk="0" hangingPunct="1">
+              <a:lnSpc>
+                <a:spcPct val="90000"/>
+              </a:lnSpc>
+              <a:spcBef>
+                <a:spcPts val="500"/>
+              </a:spcBef>
+              <a:buFont typeface="Arial"/>
+              <a:buChar char="•"/>
+              <a:defRPr sz="2400" kern="1200">
+                <a:solidFill>
+                  <a:schemeClr val="tx1"/>
+                </a:solidFill>
+                <a:latin typeface="+mn-lt"/>
+                <a:ea typeface="+mn-ea"/>
+                <a:cs typeface="+mn-cs"/>
+              </a:defRPr>
+            </a:lvl2pPr>
+            <a:lvl3pPr marL="1143000" indent="-228600" algn="l" defTabSz="914400" rtl="0" eaLnBrk="1" latinLnBrk="0" hangingPunct="1">
+              <a:lnSpc>
+                <a:spcPct val="90000"/>
+              </a:lnSpc>
+              <a:spcBef>
+                <a:spcPts val="500"/>
+              </a:spcBef>
+              <a:buFont typeface="Arial"/>
+              <a:buChar char="•"/>
+              <a:defRPr sz="2000" kern="1200">
+                <a:solidFill>
+                  <a:schemeClr val="tx1"/>
+                </a:solidFill>
+                <a:latin typeface="+mn-lt"/>
+                <a:ea typeface="+mn-ea"/>
+                <a:cs typeface="+mn-cs"/>
+              </a:defRPr>
+            </a:lvl3pPr>
+            <a:lvl4pPr marL="1600200" indent="-228600" algn="l" defTabSz="914400" rtl="0" eaLnBrk="1" latinLnBrk="0" hangingPunct="1">
+              <a:lnSpc>
+                <a:spcPct val="90000"/>
+              </a:lnSpc>
+              <a:spcBef>
+                <a:spcPts val="500"/>
+              </a:spcBef>
+              <a:buFont typeface="Arial"/>
+              <a:buChar char="•"/>
+              <a:defRPr sz="1800" kern="1200">
+                <a:solidFill>
+                  <a:schemeClr val="tx1"/>
+                </a:solidFill>
+                <a:latin typeface="+mn-lt"/>
+                <a:ea typeface="+mn-ea"/>
+                <a:cs typeface="+mn-cs"/>
+              </a:defRPr>
+            </a:lvl4pPr>
+            <a:lvl5pPr marL="2057400" indent="-228600" algn="l" defTabSz="914400" rtl="0" eaLnBrk="1" latinLnBrk="0" hangingPunct="1">
+              <a:lnSpc>
+                <a:spcPct val="90000"/>
+              </a:lnSpc>
+              <a:spcBef>
+                <a:spcPts val="500"/>
+              </a:spcBef>
+              <a:buFont typeface="Arial"/>
+              <a:buChar char="•"/>
+              <a:defRPr sz="1800" kern="1200">
+                <a:solidFill>
+                  <a:schemeClr val="tx1"/>
+                </a:solidFill>
+                <a:latin typeface="+mn-lt"/>
+                <a:ea typeface="+mn-ea"/>
+                <a:cs typeface="+mn-cs"/>
+              </a:defRPr>
+            </a:lvl5pPr>
+            <a:lvl6pPr marL="2514600" indent="-228600" algn="l" defTabSz="914400" rtl="0" eaLnBrk="1" latinLnBrk="0" hangingPunct="1">
+              <a:lnSpc>
+                <a:spcPct val="90000"/>
+              </a:lnSpc>
+              <a:spcBef>
+                <a:spcPts val="500"/>
+              </a:spcBef>
+              <a:buFont typeface="Arial"/>
+              <a:buChar char="•"/>
+              <a:defRPr sz="1800" kern="1200">
+                <a:solidFill>
+                  <a:schemeClr val="tx1"/>
+                </a:solidFill>
+                <a:latin typeface="+mn-lt"/>
+                <a:ea typeface="+mn-ea"/>
+                <a:cs typeface="+mn-cs"/>
+              </a:defRPr>
+            </a:lvl6pPr>
+            <a:lvl7pPr marL="2971800" indent="-228600" algn="l" defTabSz="914400" rtl="0" eaLnBrk="1" latinLnBrk="0" hangingPunct="1">
+              <a:lnSpc>
+                <a:spcPct val="90000"/>
+              </a:lnSpc>
+              <a:spcBef>
+                <a:spcPts val="500"/>
+              </a:spcBef>
+              <a:buFont typeface="Arial"/>
+              <a:buChar char="•"/>
+              <a:defRPr sz="1800" kern="1200">
+                <a:solidFill>
+                  <a:schemeClr val="tx1"/>
+                </a:solidFill>
+                <a:latin typeface="+mn-lt"/>
+                <a:ea typeface="+mn-ea"/>
+                <a:cs typeface="+mn-cs"/>
+              </a:defRPr>
+            </a:lvl7pPr>
+            <a:lvl8pPr marL="3429000" indent="-228600" algn="l" defTabSz="914400" rtl="0" eaLnBrk="1" latinLnBrk="0" hangingPunct="1">
+              <a:lnSpc>
+                <a:spcPct val="90000"/>
+              </a:lnSpc>
+              <a:spcBef>
+                <a:spcPts val="500"/>
+              </a:spcBef>
+              <a:buFont typeface="Arial"/>
+              <a:buChar char="•"/>
+              <a:defRPr sz="1800" kern="1200">
+                <a:solidFill>
+                  <a:schemeClr val="tx1"/>
+                </a:solidFill>
+                <a:latin typeface="+mn-lt"/>
+                <a:ea typeface="+mn-ea"/>
+                <a:cs typeface="+mn-cs"/>
+              </a:defRPr>
+            </a:lvl8pPr>
+            <a:lvl9pPr marL="3886200" indent="-228600" algn="l" defTabSz="914400" rtl="0" eaLnBrk="1" latinLnBrk="0" hangingPunct="1">
+              <a:lnSpc>
+                <a:spcPct val="90000"/>
+              </a:lnSpc>
+              <a:spcBef>
+                <a:spcPts val="500"/>
+              </a:spcBef>
+              <a:buFont typeface="Arial"/>
+              <a:buChar char="•"/>
+              <a:defRPr sz="1800" kern="1200">
+                <a:solidFill>
+                  <a:schemeClr val="tx1"/>
+                </a:solidFill>
+                <a:latin typeface="+mn-lt"/>
+                <a:ea typeface="+mn-ea"/>
+                <a:cs typeface="+mn-cs"/>
+              </a:defRPr>
+            </a:lvl9pPr>
+          </a:lstStyle>
+          <a:p>
+            <a:pPr>
+              <a:lnSpc>
+                <a:spcPct val="150000"/>
+              </a:lnSpc>
+            </a:pPr>
+            <a:r>
+              <a:rPr lang="en-US" sz="2500" dirty="0" smtClean="0">
+                <a:latin typeface="Times New Roman" charset="0"/>
+                <a:ea typeface="Times New Roman" charset="0"/>
+                <a:cs typeface="Times New Roman" charset="0"/>
+              </a:rPr>
+              <a:t>Basic Functions:</a:t>
+            </a:r>
+          </a:p>
+          <a:p>
+            <a:pPr lvl="1">
+              <a:lnSpc>
+                <a:spcPct val="150000"/>
+              </a:lnSpc>
+            </a:pPr>
+            <a:r>
+              <a:rPr lang="en-US" sz="2500" dirty="0" smtClean="0">
+                <a:latin typeface="Times New Roman" charset="0"/>
+                <a:ea typeface="Times New Roman" charset="0"/>
+                <a:cs typeface="Times New Roman" charset="0"/>
+              </a:rPr>
+              <a:t>Parse Online Information</a:t>
+            </a:r>
+          </a:p>
+          <a:p>
+            <a:pPr lvl="1">
+              <a:lnSpc>
+                <a:spcPct val="150000"/>
+              </a:lnSpc>
+            </a:pPr>
+            <a:r>
+              <a:rPr lang="en-US" sz="2500" dirty="0" smtClean="0">
+                <a:latin typeface="Times New Roman" charset="0"/>
+                <a:ea typeface="Times New Roman" charset="0"/>
+                <a:cs typeface="Times New Roman" charset="0"/>
+              </a:rPr>
+              <a:t>Search for Patient Data</a:t>
+            </a:r>
+          </a:p>
+          <a:p>
+            <a:pPr lvl="1">
+              <a:lnSpc>
+                <a:spcPct val="150000"/>
+              </a:lnSpc>
+            </a:pPr>
+            <a:r>
+              <a:rPr lang="en-US" sz="2500" dirty="0" smtClean="0">
+                <a:latin typeface="Times New Roman" charset="0"/>
+                <a:ea typeface="Times New Roman" charset="0"/>
+                <a:cs typeface="Times New Roman" charset="0"/>
+              </a:rPr>
+              <a:t>Take Notes &amp; Save Notes</a:t>
+            </a:r>
+          </a:p>
+          <a:p>
+            <a:pPr lvl="1">
+              <a:lnSpc>
+                <a:spcPct val="150000"/>
+              </a:lnSpc>
+            </a:pPr>
+            <a:r>
+              <a:rPr lang="en-US" sz="2500" dirty="0" smtClean="0">
+                <a:latin typeface="Times New Roman" charset="0"/>
+                <a:ea typeface="Times New Roman" charset="0"/>
+                <a:cs typeface="Times New Roman" charset="0"/>
+              </a:rPr>
+              <a:t>Send Email</a:t>
+            </a:r>
+          </a:p>
+          <a:p>
+            <a:pPr lvl="1">
+              <a:lnSpc>
+                <a:spcPct val="150000"/>
+              </a:lnSpc>
+            </a:pPr>
+            <a:r>
+              <a:rPr lang="en-US" sz="2500" dirty="0" smtClean="0">
+                <a:latin typeface="Times New Roman" charset="0"/>
+                <a:ea typeface="Times New Roman" charset="0"/>
+                <a:cs typeface="Times New Roman" charset="0"/>
+              </a:rPr>
+              <a:t>Taking Photos</a:t>
+            </a:r>
+          </a:p>
+          <a:p>
+            <a:pPr>
+              <a:lnSpc>
+                <a:spcPct val="150000"/>
+              </a:lnSpc>
+            </a:pPr>
+            <a:endParaRPr lang="en-US" sz="2500" dirty="0" smtClean="0">
+              <a:latin typeface="Times New Roman" charset="0"/>
+              <a:ea typeface="Times New Roman" charset="0"/>
+              <a:cs typeface="Times New Roman" charset="0"/>
+            </a:endParaRPr>
+          </a:p>
+          <a:p>
+            <a:pPr>
+              <a:lnSpc>
+                <a:spcPct val="150000"/>
+              </a:lnSpc>
+            </a:pPr>
+            <a:endParaRPr lang="en-US" sz="2500" dirty="0">
+              <a:latin typeface="Times New Roman" charset="0"/>
+              <a:ea typeface="Times New Roman" charset="0"/>
+              <a:cs typeface="Times New Roman" charset="0"/>
+            </a:endParaRPr>
+          </a:p>
+        </p:txBody>
+      </p:sp>
+    </p:spTree>
+    <p:extLst>
+      <p:ext uri="{BB962C8B-B14F-4D97-AF65-F5344CB8AC3E}">
+        <p14:creationId xmlns:p14="http://schemas.microsoft.com/office/powerpoint/2010/main" val="1464905854"/>
+      </p:ext>
+    </p:extLst>
+  </p:cSld>
+  <p:clrMapOvr>
+    <a:masterClrMapping/>
+  </p:clrMapOvr>
+  <p:timing>
+    <p:tnLst>
+      <p:par>
+        <p:cTn id="1" dur="indefinite" restart="never" nodeType="tmRoot"/>
+      </p:par>
+    </p:tnLst>
+  </p:timing>
+</p:sld>
+</file>
+
+<file path=ppt/slides/slide7.xml><?xml version="1.0" encoding="utf-8"?>
+<p:sld xmlns:a="http://schemas.openxmlformats.org/drawingml/2006/main" xmlns:r="http://schemas.openxmlformats.org/officeDocument/2006/relationships" xmlns:p="http://schemas.openxmlformats.org/presentationml/2006/main">
+  <p:cSld>
+    <p:spTree>
+      <p:nvGrpSpPr>
+        <p:cNvPr id="1" name=""/>
+        <p:cNvGrpSpPr/>
+        <p:nvPr/>
+      </p:nvGrpSpPr>
+      <p:grpSpPr>
+        <a:xfrm>
+          <a:off x="0" y="0"/>
+          <a:ext cx="0" cy="0"/>
+          <a:chOff x="0" y="0"/>
+          <a:chExt cx="0" cy="0"/>
+        </a:xfrm>
+      </p:grpSpPr>
+      <p:sp>
+        <p:nvSpPr>
+          <p:cNvPr id="2" name="Title 1"/>
+          <p:cNvSpPr>
+            <a:spLocks noGrp="1"/>
+          </p:cNvSpPr>
+          <p:nvPr>
+            <p:ph type="title"/>
+          </p:nvPr>
+        </p:nvSpPr>
+        <p:spPr>
+          <a:xfrm>
+            <a:off x="785191" y="0"/>
+            <a:ext cx="10515600" cy="1325563"/>
+          </a:xfrm>
+        </p:spPr>
+        <p:txBody>
+          <a:bodyPr>
+            <a:normAutofit/>
+          </a:bodyPr>
+          <a:lstStyle/>
+          <a:p>
+            <a:r>
+              <a:rPr lang="en-US" sz="3500" dirty="0" smtClean="0">
+                <a:latin typeface="Times New Roman" charset="0"/>
+                <a:ea typeface="Times New Roman" charset="0"/>
+                <a:cs typeface="Times New Roman" charset="0"/>
+              </a:rPr>
+              <a:t>Features :</a:t>
+            </a:r>
+            <a:endParaRPr lang="en-US" sz="3500" dirty="0">
+              <a:latin typeface="Times New Roman" charset="0"/>
+              <a:ea typeface="Times New Roman" charset="0"/>
+              <a:cs typeface="Times New Roman" charset="0"/>
+            </a:endParaRPr>
           </a:p>
         </p:txBody>
       </p:sp>
@@ -3951,12 +5103,264 @@
             <p:ph idx="1"/>
           </p:nvPr>
         </p:nvSpPr>
-        <p:spPr/>
-        <p:txBody>
-          <a:bodyPr/>
-          <a:lstStyle/>
-          <a:p>
-            <a:endParaRPr lang="en-US" dirty="0"/>
+        <p:spPr>
+          <a:xfrm>
+            <a:off x="785191" y="914400"/>
+            <a:ext cx="10611678" cy="5452580"/>
+          </a:xfrm>
+        </p:spPr>
+        <p:txBody>
+          <a:bodyPr>
+            <a:normAutofit fontScale="70000" lnSpcReduction="20000"/>
+          </a:bodyPr>
+          <a:lstStyle/>
+          <a:p>
+            <a:pPr>
+              <a:lnSpc>
+                <a:spcPct val="200000"/>
+              </a:lnSpc>
+            </a:pPr>
+            <a:r>
+              <a:rPr lang="en-US" sz="2400" b="1" dirty="0" smtClean="0">
+                <a:latin typeface="Times New Roman" charset="0"/>
+                <a:ea typeface="Times New Roman" charset="0"/>
+                <a:cs typeface="Times New Roman" charset="0"/>
+              </a:rPr>
+              <a:t>Data Accuracy</a:t>
+            </a:r>
+            <a:r>
+              <a:rPr lang="en-US" sz="2400" dirty="0" smtClean="0">
+                <a:latin typeface="Times New Roman" charset="0"/>
+                <a:ea typeface="Times New Roman" charset="0"/>
+                <a:cs typeface="Times New Roman" charset="0"/>
+              </a:rPr>
+              <a:t>: The most accurate health information data comes from patient themselves, but many people ignore the importance of taking notes on a daily basis. </a:t>
+            </a:r>
+            <a:r>
+              <a:rPr lang="en-US" sz="2400" dirty="0" err="1" smtClean="0">
+                <a:latin typeface="Times New Roman" charset="0"/>
+                <a:ea typeface="Times New Roman" charset="0"/>
+                <a:cs typeface="Times New Roman" charset="0"/>
+              </a:rPr>
+              <a:t>DoctorWat</a:t>
+            </a:r>
+            <a:r>
+              <a:rPr lang="en-US" sz="2400" dirty="0" smtClean="0">
+                <a:latin typeface="Times New Roman" charset="0"/>
+                <a:ea typeface="Times New Roman" charset="0"/>
+                <a:cs typeface="Times New Roman" charset="0"/>
+              </a:rPr>
+              <a:t> encourages users to </a:t>
+            </a:r>
+            <a:r>
+              <a:rPr lang="en-US" sz="2400" dirty="0" smtClean="0">
+                <a:latin typeface="Times New Roman" charset="0"/>
+                <a:ea typeface="Times New Roman" charset="0"/>
+                <a:cs typeface="Times New Roman" charset="0"/>
+              </a:rPr>
+              <a:t>record data with a </a:t>
+            </a:r>
+            <a:r>
+              <a:rPr lang="en-US" sz="2400" dirty="0" smtClean="0">
+                <a:latin typeface="Times New Roman" charset="0"/>
+                <a:ea typeface="Times New Roman" charset="0"/>
+                <a:cs typeface="Times New Roman" charset="0"/>
+              </a:rPr>
+              <a:t>simple user interface and powerful IBM </a:t>
+            </a:r>
+            <a:r>
+              <a:rPr lang="en-US" sz="2400" dirty="0" err="1" smtClean="0">
+                <a:latin typeface="Times New Roman" charset="0"/>
+                <a:ea typeface="Times New Roman" charset="0"/>
+                <a:cs typeface="Times New Roman" charset="0"/>
+              </a:rPr>
+              <a:t>Bluemix</a:t>
+            </a:r>
+            <a:r>
+              <a:rPr lang="en-US" sz="2400" dirty="0" smtClean="0">
+                <a:latin typeface="Times New Roman" charset="0"/>
+                <a:ea typeface="Times New Roman" charset="0"/>
+                <a:cs typeface="Times New Roman" charset="0"/>
+              </a:rPr>
+              <a:t> service as its backbone.</a:t>
+            </a:r>
+          </a:p>
+          <a:p>
+            <a:pPr>
+              <a:lnSpc>
+                <a:spcPct val="200000"/>
+              </a:lnSpc>
+            </a:pPr>
+            <a:r>
+              <a:rPr lang="en-US" sz="2400" b="1" dirty="0" smtClean="0">
+                <a:latin typeface="Times New Roman" charset="0"/>
+                <a:ea typeface="Times New Roman" charset="0"/>
+                <a:cs typeface="Times New Roman" charset="0"/>
+              </a:rPr>
+              <a:t>Portability</a:t>
+            </a:r>
+            <a:r>
+              <a:rPr lang="en-US" sz="2400" dirty="0" smtClean="0">
+                <a:latin typeface="Times New Roman" charset="0"/>
+                <a:ea typeface="Times New Roman" charset="0"/>
+                <a:cs typeface="Times New Roman" charset="0"/>
+              </a:rPr>
+              <a:t>: TJ Bot is small, users can bring it to work.</a:t>
+            </a:r>
+          </a:p>
+          <a:p>
+            <a:pPr>
+              <a:lnSpc>
+                <a:spcPct val="200000"/>
+              </a:lnSpc>
+            </a:pPr>
+            <a:r>
+              <a:rPr lang="en-US" sz="2400" b="1" dirty="0" smtClean="0">
+                <a:latin typeface="Times New Roman" charset="0"/>
+                <a:ea typeface="Times New Roman" charset="0"/>
+                <a:cs typeface="Times New Roman" charset="0"/>
+              </a:rPr>
+              <a:t>Cost</a:t>
+            </a:r>
+            <a:r>
+              <a:rPr lang="en-US" sz="2400" dirty="0" smtClean="0">
+                <a:latin typeface="Times New Roman" charset="0"/>
+                <a:ea typeface="Times New Roman" charset="0"/>
+                <a:cs typeface="Times New Roman" charset="0"/>
+              </a:rPr>
+              <a:t>: Compared with phones or laptops, TJ Bots are cheap even with external devices such as keyboard and screen, but they are also powerful.</a:t>
+            </a:r>
+          </a:p>
+          <a:p>
+            <a:pPr>
+              <a:lnSpc>
+                <a:spcPct val="200000"/>
+              </a:lnSpc>
+            </a:pPr>
+            <a:r>
+              <a:rPr lang="en-US" sz="2400" b="1" dirty="0" smtClean="0">
+                <a:latin typeface="Times New Roman" charset="0"/>
+                <a:ea typeface="Times New Roman" charset="0"/>
+                <a:cs typeface="Times New Roman" charset="0"/>
+              </a:rPr>
+              <a:t>Functionality</a:t>
+            </a:r>
+            <a:r>
+              <a:rPr lang="en-US" sz="2400" dirty="0" smtClean="0">
+                <a:latin typeface="Times New Roman" charset="0"/>
+                <a:ea typeface="Times New Roman" charset="0"/>
+                <a:cs typeface="Times New Roman" charset="0"/>
+              </a:rPr>
+              <a:t>: </a:t>
+            </a:r>
+            <a:r>
+              <a:rPr lang="en-US" sz="2400" dirty="0" err="1" smtClean="0">
+                <a:latin typeface="Times New Roman" charset="0"/>
+                <a:ea typeface="Times New Roman" charset="0"/>
+                <a:cs typeface="Times New Roman" charset="0"/>
+              </a:rPr>
+              <a:t>DoctorWat</a:t>
+            </a:r>
+            <a:r>
+              <a:rPr lang="en-US" sz="2400" dirty="0" smtClean="0">
+                <a:latin typeface="Times New Roman" charset="0"/>
+                <a:ea typeface="Times New Roman" charset="0"/>
+                <a:cs typeface="Times New Roman" charset="0"/>
+              </a:rPr>
+              <a:t> provides a variety of functions for both doctors and patients to use. Since the project is open-source, contributions are welcome.</a:t>
+            </a:r>
+          </a:p>
+          <a:p>
+            <a:pPr>
+              <a:lnSpc>
+                <a:spcPct val="200000"/>
+              </a:lnSpc>
+            </a:pPr>
+            <a:r>
+              <a:rPr lang="en-US" sz="2400" b="1" dirty="0">
+                <a:latin typeface="Times New Roman" charset="0"/>
+                <a:ea typeface="Times New Roman" charset="0"/>
+                <a:cs typeface="Times New Roman" charset="0"/>
+              </a:rPr>
+              <a:t>Platform </a:t>
+            </a:r>
+            <a:r>
+              <a:rPr lang="en-US" sz="2400" b="1" dirty="0">
+                <a:latin typeface="Times New Roman" charset="0"/>
+                <a:ea typeface="Times New Roman" charset="0"/>
+                <a:cs typeface="Times New Roman" charset="0"/>
+              </a:rPr>
+              <a:t>I</a:t>
+            </a:r>
+            <a:r>
+              <a:rPr lang="en-US" sz="2400" b="1" dirty="0" smtClean="0">
+                <a:latin typeface="Times New Roman" charset="0"/>
+                <a:ea typeface="Times New Roman" charset="0"/>
+                <a:cs typeface="Times New Roman" charset="0"/>
+              </a:rPr>
+              <a:t>ndependent</a:t>
+            </a:r>
+            <a:r>
+              <a:rPr lang="en-US" sz="2400" dirty="0" smtClean="0">
+                <a:latin typeface="Times New Roman" charset="0"/>
+                <a:ea typeface="Times New Roman" charset="0"/>
+                <a:cs typeface="Times New Roman" charset="0"/>
+              </a:rPr>
+              <a:t>: Since </a:t>
+            </a:r>
+            <a:r>
+              <a:rPr lang="en-US" sz="2400" dirty="0" err="1" smtClean="0">
+                <a:latin typeface="Times New Roman" charset="0"/>
+                <a:ea typeface="Times New Roman" charset="0"/>
+                <a:cs typeface="Times New Roman" charset="0"/>
+              </a:rPr>
+              <a:t>DoctorWat</a:t>
+            </a:r>
+            <a:r>
+              <a:rPr lang="en-US" sz="2400" dirty="0" smtClean="0">
+                <a:latin typeface="Times New Roman" charset="0"/>
+                <a:ea typeface="Times New Roman" charset="0"/>
+                <a:cs typeface="Times New Roman" charset="0"/>
+              </a:rPr>
+              <a:t> is built with Electron, it runs on multiple platforms: </a:t>
+            </a:r>
+            <a:r>
+              <a:rPr lang="en-US" sz="2400" dirty="0" err="1" smtClean="0">
+                <a:latin typeface="Times New Roman" charset="0"/>
+                <a:ea typeface="Times New Roman" charset="0"/>
+                <a:cs typeface="Times New Roman" charset="0"/>
+              </a:rPr>
+              <a:t>MacOS</a:t>
+            </a:r>
+            <a:r>
+              <a:rPr lang="en-US" sz="2400" dirty="0" smtClean="0">
+                <a:latin typeface="Times New Roman" charset="0"/>
+                <a:ea typeface="Times New Roman" charset="0"/>
+                <a:cs typeface="Times New Roman" charset="0"/>
+              </a:rPr>
+              <a:t>, Windows, Linux, </a:t>
+            </a:r>
+            <a:r>
+              <a:rPr lang="en-US" sz="2400" dirty="0" err="1" smtClean="0">
+                <a:latin typeface="Times New Roman" charset="0"/>
+                <a:ea typeface="Times New Roman" charset="0"/>
+                <a:cs typeface="Times New Roman" charset="0"/>
+              </a:rPr>
+              <a:t>Raspbian</a:t>
+            </a:r>
+            <a:r>
+              <a:rPr lang="en-US" sz="2400" dirty="0" smtClean="0">
+                <a:latin typeface="Times New Roman" charset="0"/>
+                <a:ea typeface="Times New Roman" charset="0"/>
+                <a:cs typeface="Times New Roman" charset="0"/>
+              </a:rPr>
+              <a:t>. </a:t>
+            </a:r>
+            <a:endParaRPr lang="en-US" sz="2400" dirty="0">
+              <a:latin typeface="Times New Roman" charset="0"/>
+              <a:ea typeface="Times New Roman" charset="0"/>
+              <a:cs typeface="Times New Roman" charset="0"/>
+            </a:endParaRPr>
           </a:p>
         </p:txBody>
       </p:sp>
@@ -3964,6 +5368,684 @@
     <p:extLst>
       <p:ext uri="{BB962C8B-B14F-4D97-AF65-F5344CB8AC3E}">
         <p14:creationId xmlns:p14="http://schemas.microsoft.com/office/powerpoint/2010/main" val="1376589566"/>
+      </p:ext>
+    </p:extLst>
+  </p:cSld>
+  <p:clrMapOvr>
+    <a:masterClrMapping/>
+  </p:clrMapOvr>
+  <p:timing>
+    <p:tnLst>
+      <p:par>
+        <p:cTn id="1" dur="indefinite" restart="never" nodeType="tmRoot"/>
+      </p:par>
+    </p:tnLst>
+  </p:timing>
+</p:sld>
+</file>
+
+<file path=ppt/slides/slide8.xml><?xml version="1.0" encoding="utf-8"?>
+<p:sld xmlns:a="http://schemas.openxmlformats.org/drawingml/2006/main" xmlns:r="http://schemas.openxmlformats.org/officeDocument/2006/relationships" xmlns:p="http://schemas.openxmlformats.org/presentationml/2006/main">
+  <p:cSld>
+    <p:spTree>
+      <p:nvGrpSpPr>
+        <p:cNvPr id="1" name=""/>
+        <p:cNvGrpSpPr/>
+        <p:nvPr/>
+      </p:nvGrpSpPr>
+      <p:grpSpPr>
+        <a:xfrm>
+          <a:off x="0" y="0"/>
+          <a:ext cx="0" cy="0"/>
+          <a:chOff x="0" y="0"/>
+          <a:chExt cx="0" cy="0"/>
+        </a:xfrm>
+      </p:grpSpPr>
+      <p:sp>
+        <p:nvSpPr>
+          <p:cNvPr id="2" name="Title 1"/>
+          <p:cNvSpPr>
+            <a:spLocks noGrp="1"/>
+          </p:cNvSpPr>
+          <p:nvPr>
+            <p:ph type="title"/>
+          </p:nvPr>
+        </p:nvSpPr>
+        <p:spPr/>
+        <p:txBody>
+          <a:bodyPr/>
+          <a:lstStyle/>
+          <a:p>
+            <a:r>
+              <a:rPr lang="en-US" dirty="0" smtClean="0">
+                <a:latin typeface="Times New Roman" charset="0"/>
+                <a:ea typeface="Times New Roman" charset="0"/>
+                <a:cs typeface="Times New Roman" charset="0"/>
+              </a:rPr>
+              <a:t>Summary:</a:t>
+            </a:r>
+            <a:endParaRPr lang="en-US" dirty="0">
+              <a:latin typeface="Times New Roman" charset="0"/>
+              <a:ea typeface="Times New Roman" charset="0"/>
+              <a:cs typeface="Times New Roman" charset="0"/>
+            </a:endParaRPr>
+          </a:p>
+        </p:txBody>
+      </p:sp>
+      <p:sp>
+        <p:nvSpPr>
+          <p:cNvPr id="5" name="Content Placeholder 2"/>
+          <p:cNvSpPr txBox="1">
+            <a:spLocks/>
+          </p:cNvSpPr>
+          <p:nvPr/>
+        </p:nvSpPr>
+        <p:spPr>
+          <a:xfrm>
+            <a:off x="1086678" y="1825625"/>
+            <a:ext cx="4648200" cy="4351338"/>
+          </a:xfrm>
+          <a:prstGeom prst="rect">
+            <a:avLst/>
+          </a:prstGeom>
+        </p:spPr>
+        <p:txBody>
+          <a:bodyPr vert="horz" lIns="91440" tIns="45720" rIns="91440" bIns="45720" rtlCol="0">
+            <a:noAutofit/>
+          </a:bodyPr>
+          <a:lstStyle>
+            <a:lvl1pPr marL="228600" indent="-228600" algn="l" defTabSz="914400" rtl="0" eaLnBrk="1" latinLnBrk="0" hangingPunct="1">
+              <a:lnSpc>
+                <a:spcPct val="90000"/>
+              </a:lnSpc>
+              <a:spcBef>
+                <a:spcPts val="1000"/>
+              </a:spcBef>
+              <a:buFont typeface="Arial"/>
+              <a:buChar char="•"/>
+              <a:defRPr sz="2800" kern="1200">
+                <a:solidFill>
+                  <a:schemeClr val="tx1"/>
+                </a:solidFill>
+                <a:latin typeface="+mn-lt"/>
+                <a:ea typeface="+mn-ea"/>
+                <a:cs typeface="+mn-cs"/>
+              </a:defRPr>
+            </a:lvl1pPr>
+            <a:lvl2pPr marL="685800" indent="-228600" algn="l" defTabSz="914400" rtl="0" eaLnBrk="1" latinLnBrk="0" hangingPunct="1">
+              <a:lnSpc>
+                <a:spcPct val="90000"/>
+              </a:lnSpc>
+              <a:spcBef>
+                <a:spcPts val="500"/>
+              </a:spcBef>
+              <a:buFont typeface="Arial"/>
+              <a:buChar char="•"/>
+              <a:defRPr sz="2400" kern="1200">
+                <a:solidFill>
+                  <a:schemeClr val="tx1"/>
+                </a:solidFill>
+                <a:latin typeface="+mn-lt"/>
+                <a:ea typeface="+mn-ea"/>
+                <a:cs typeface="+mn-cs"/>
+              </a:defRPr>
+            </a:lvl2pPr>
+            <a:lvl3pPr marL="1143000" indent="-228600" algn="l" defTabSz="914400" rtl="0" eaLnBrk="1" latinLnBrk="0" hangingPunct="1">
+              <a:lnSpc>
+                <a:spcPct val="90000"/>
+              </a:lnSpc>
+              <a:spcBef>
+                <a:spcPts val="500"/>
+              </a:spcBef>
+              <a:buFont typeface="Arial"/>
+              <a:buChar char="•"/>
+              <a:defRPr sz="2000" kern="1200">
+                <a:solidFill>
+                  <a:schemeClr val="tx1"/>
+                </a:solidFill>
+                <a:latin typeface="+mn-lt"/>
+                <a:ea typeface="+mn-ea"/>
+                <a:cs typeface="+mn-cs"/>
+              </a:defRPr>
+            </a:lvl3pPr>
+            <a:lvl4pPr marL="1600200" indent="-228600" algn="l" defTabSz="914400" rtl="0" eaLnBrk="1" latinLnBrk="0" hangingPunct="1">
+              <a:lnSpc>
+                <a:spcPct val="90000"/>
+              </a:lnSpc>
+              <a:spcBef>
+                <a:spcPts val="500"/>
+              </a:spcBef>
+              <a:buFont typeface="Arial"/>
+              <a:buChar char="•"/>
+              <a:defRPr sz="1800" kern="1200">
+                <a:solidFill>
+                  <a:schemeClr val="tx1"/>
+                </a:solidFill>
+                <a:latin typeface="+mn-lt"/>
+                <a:ea typeface="+mn-ea"/>
+                <a:cs typeface="+mn-cs"/>
+              </a:defRPr>
+            </a:lvl4pPr>
+            <a:lvl5pPr marL="2057400" indent="-228600" algn="l" defTabSz="914400" rtl="0" eaLnBrk="1" latinLnBrk="0" hangingPunct="1">
+              <a:lnSpc>
+                <a:spcPct val="90000"/>
+              </a:lnSpc>
+              <a:spcBef>
+                <a:spcPts val="500"/>
+              </a:spcBef>
+              <a:buFont typeface="Arial"/>
+              <a:buChar char="•"/>
+              <a:defRPr sz="1800" kern="1200">
+                <a:solidFill>
+                  <a:schemeClr val="tx1"/>
+                </a:solidFill>
+                <a:latin typeface="+mn-lt"/>
+                <a:ea typeface="+mn-ea"/>
+                <a:cs typeface="+mn-cs"/>
+              </a:defRPr>
+            </a:lvl5pPr>
+            <a:lvl6pPr marL="2514600" indent="-228600" algn="l" defTabSz="914400" rtl="0" eaLnBrk="1" latinLnBrk="0" hangingPunct="1">
+              <a:lnSpc>
+                <a:spcPct val="90000"/>
+              </a:lnSpc>
+              <a:spcBef>
+                <a:spcPts val="500"/>
+              </a:spcBef>
+              <a:buFont typeface="Arial"/>
+              <a:buChar char="•"/>
+              <a:defRPr sz="1800" kern="1200">
+                <a:solidFill>
+                  <a:schemeClr val="tx1"/>
+                </a:solidFill>
+                <a:latin typeface="+mn-lt"/>
+                <a:ea typeface="+mn-ea"/>
+                <a:cs typeface="+mn-cs"/>
+              </a:defRPr>
+            </a:lvl6pPr>
+            <a:lvl7pPr marL="2971800" indent="-228600" algn="l" defTabSz="914400" rtl="0" eaLnBrk="1" latinLnBrk="0" hangingPunct="1">
+              <a:lnSpc>
+                <a:spcPct val="90000"/>
+              </a:lnSpc>
+              <a:spcBef>
+                <a:spcPts val="500"/>
+              </a:spcBef>
+              <a:buFont typeface="Arial"/>
+              <a:buChar char="•"/>
+              <a:defRPr sz="1800" kern="1200">
+                <a:solidFill>
+                  <a:schemeClr val="tx1"/>
+                </a:solidFill>
+                <a:latin typeface="+mn-lt"/>
+                <a:ea typeface="+mn-ea"/>
+                <a:cs typeface="+mn-cs"/>
+              </a:defRPr>
+            </a:lvl7pPr>
+            <a:lvl8pPr marL="3429000" indent="-228600" algn="l" defTabSz="914400" rtl="0" eaLnBrk="1" latinLnBrk="0" hangingPunct="1">
+              <a:lnSpc>
+                <a:spcPct val="90000"/>
+              </a:lnSpc>
+              <a:spcBef>
+                <a:spcPts val="500"/>
+              </a:spcBef>
+              <a:buFont typeface="Arial"/>
+              <a:buChar char="•"/>
+              <a:defRPr sz="1800" kern="1200">
+                <a:solidFill>
+                  <a:schemeClr val="tx1"/>
+                </a:solidFill>
+                <a:latin typeface="+mn-lt"/>
+                <a:ea typeface="+mn-ea"/>
+                <a:cs typeface="+mn-cs"/>
+              </a:defRPr>
+            </a:lvl8pPr>
+            <a:lvl9pPr marL="3886200" indent="-228600" algn="l" defTabSz="914400" rtl="0" eaLnBrk="1" latinLnBrk="0" hangingPunct="1">
+              <a:lnSpc>
+                <a:spcPct val="90000"/>
+              </a:lnSpc>
+              <a:spcBef>
+                <a:spcPts val="500"/>
+              </a:spcBef>
+              <a:buFont typeface="Arial"/>
+              <a:buChar char="•"/>
+              <a:defRPr sz="1800" kern="1200">
+                <a:solidFill>
+                  <a:schemeClr val="tx1"/>
+                </a:solidFill>
+                <a:latin typeface="+mn-lt"/>
+                <a:ea typeface="+mn-ea"/>
+                <a:cs typeface="+mn-cs"/>
+              </a:defRPr>
+            </a:lvl9pPr>
+          </a:lstStyle>
+          <a:p>
+            <a:pPr>
+              <a:lnSpc>
+                <a:spcPct val="150000"/>
+              </a:lnSpc>
+            </a:pPr>
+            <a:endParaRPr lang="en-US" sz="2500" dirty="0" smtClean="0">
+              <a:latin typeface="Times New Roman" charset="0"/>
+              <a:ea typeface="Times New Roman" charset="0"/>
+              <a:cs typeface="Times New Roman" charset="0"/>
+            </a:endParaRPr>
+          </a:p>
+          <a:p>
+            <a:pPr>
+              <a:lnSpc>
+                <a:spcPct val="150000"/>
+              </a:lnSpc>
+            </a:pPr>
+            <a:endParaRPr lang="en-US" sz="2500" dirty="0">
+              <a:latin typeface="Times New Roman" charset="0"/>
+              <a:ea typeface="Times New Roman" charset="0"/>
+              <a:cs typeface="Times New Roman" charset="0"/>
+            </a:endParaRPr>
+          </a:p>
+        </p:txBody>
+      </p:sp>
+      <p:sp>
+        <p:nvSpPr>
+          <p:cNvPr id="6" name="Content Placeholder 2"/>
+          <p:cNvSpPr>
+            <a:spLocks noGrp="1"/>
+          </p:cNvSpPr>
+          <p:nvPr>
+            <p:ph idx="1"/>
+          </p:nvPr>
+        </p:nvSpPr>
+        <p:spPr>
+          <a:xfrm>
+            <a:off x="838199" y="1577008"/>
+            <a:ext cx="10558669" cy="4789971"/>
+          </a:xfrm>
+        </p:spPr>
+        <p:txBody>
+          <a:bodyPr>
+            <a:normAutofit/>
+          </a:bodyPr>
+          <a:lstStyle/>
+          <a:p>
+            <a:pPr marL="0" marR="0" lvl="0" indent="0" defTabSz="914400" eaLnBrk="1" fontAlgn="auto" latinLnBrk="0" hangingPunct="1">
+              <a:lnSpc>
+                <a:spcPct val="200000"/>
+              </a:lnSpc>
+              <a:spcBef>
+                <a:spcPts val="0"/>
+              </a:spcBef>
+              <a:spcAft>
+                <a:spcPts val="0"/>
+              </a:spcAft>
+              <a:buClrTx/>
+              <a:buSzTx/>
+              <a:buFontTx/>
+              <a:buNone/>
+              <a:tabLst/>
+              <a:defRPr/>
+            </a:pPr>
+            <a:r>
+              <a:rPr lang="en-US" sz="2400" dirty="0" smtClean="0">
+                <a:latin typeface="Times New Roman" charset="0"/>
+                <a:ea typeface="Times New Roman" charset="0"/>
+                <a:cs typeface="Times New Roman" charset="0"/>
+              </a:rPr>
+              <a:t>The project idea came from an article about how to collect reliable data sets from users for machine </a:t>
+            </a:r>
+            <a:r>
+              <a:rPr lang="en-US" sz="2400" smtClean="0">
+                <a:latin typeface="Times New Roman" charset="0"/>
+                <a:ea typeface="Times New Roman" charset="0"/>
+                <a:cs typeface="Times New Roman" charset="0"/>
+              </a:rPr>
+              <a:t>learning in medical </a:t>
+            </a:r>
+            <a:r>
+              <a:rPr lang="en-US" sz="2400" dirty="0" smtClean="0">
+                <a:latin typeface="Times New Roman" charset="0"/>
+                <a:ea typeface="Times New Roman" charset="0"/>
+                <a:cs typeface="Times New Roman" charset="0"/>
+              </a:rPr>
+              <a:t>research. We hope our project can help to reduce the information gap between doctors and patients. </a:t>
+            </a:r>
+          </a:p>
+          <a:p>
+            <a:pPr marL="0" marR="0" lvl="0" indent="0" defTabSz="914400" eaLnBrk="1" fontAlgn="auto" latinLnBrk="0" hangingPunct="1">
+              <a:lnSpc>
+                <a:spcPct val="200000"/>
+              </a:lnSpc>
+              <a:spcBef>
+                <a:spcPts val="0"/>
+              </a:spcBef>
+              <a:spcAft>
+                <a:spcPts val="0"/>
+              </a:spcAft>
+              <a:buClrTx/>
+              <a:buSzTx/>
+              <a:buFontTx/>
+              <a:buNone/>
+              <a:tabLst/>
+              <a:defRPr/>
+            </a:pPr>
+            <a:r>
+              <a:rPr lang="en-US" sz="2400" dirty="0" smtClean="0">
+                <a:latin typeface="Times New Roman" charset="0"/>
+                <a:ea typeface="Times New Roman" charset="0"/>
+                <a:cs typeface="Times New Roman" charset="0"/>
+              </a:rPr>
+              <a:t>Since the project is designed for both doctor and patients, one potential improvement is to add more </a:t>
+            </a:r>
+            <a:r>
+              <a:rPr lang="en-US" sz="2400" dirty="0" err="1" smtClean="0">
+                <a:latin typeface="Times New Roman" charset="0"/>
+                <a:ea typeface="Times New Roman" charset="0"/>
+                <a:cs typeface="Times New Roman" charset="0"/>
+              </a:rPr>
+              <a:t>Bluemix</a:t>
+            </a:r>
+            <a:r>
+              <a:rPr lang="en-US" sz="2400" dirty="0" smtClean="0">
+                <a:latin typeface="Times New Roman" charset="0"/>
+                <a:ea typeface="Times New Roman" charset="0"/>
+                <a:cs typeface="Times New Roman" charset="0"/>
+              </a:rPr>
+              <a:t> functions and database to update patient data in real time.</a:t>
+            </a:r>
+            <a:endParaRPr lang="en-US" sz="2400" dirty="0">
+              <a:latin typeface="Times New Roman" charset="0"/>
+              <a:ea typeface="Times New Roman" charset="0"/>
+              <a:cs typeface="Times New Roman" charset="0"/>
+            </a:endParaRPr>
+          </a:p>
+        </p:txBody>
+      </p:sp>
+    </p:spTree>
+    <p:extLst>
+      <p:ext uri="{BB962C8B-B14F-4D97-AF65-F5344CB8AC3E}">
+        <p14:creationId xmlns:p14="http://schemas.microsoft.com/office/powerpoint/2010/main" val="1431229161"/>
+      </p:ext>
+    </p:extLst>
+  </p:cSld>
+  <p:clrMapOvr>
+    <a:masterClrMapping/>
+  </p:clrMapOvr>
+  <p:timing>
+    <p:tnLst>
+      <p:par>
+        <p:cTn id="1" dur="indefinite" restart="never" nodeType="tmRoot"/>
+      </p:par>
+    </p:tnLst>
+  </p:timing>
+</p:sld>
+</file>
+
+<file path=ppt/slides/slide9.xml><?xml version="1.0" encoding="utf-8"?>
+<p:sld xmlns:a="http://schemas.openxmlformats.org/drawingml/2006/main" xmlns:r="http://schemas.openxmlformats.org/officeDocument/2006/relationships" xmlns:p="http://schemas.openxmlformats.org/presentationml/2006/main">
+  <p:cSld>
+    <p:spTree>
+      <p:nvGrpSpPr>
+        <p:cNvPr id="1" name=""/>
+        <p:cNvGrpSpPr/>
+        <p:nvPr/>
+      </p:nvGrpSpPr>
+      <p:grpSpPr>
+        <a:xfrm>
+          <a:off x="0" y="0"/>
+          <a:ext cx="0" cy="0"/>
+          <a:chOff x="0" y="0"/>
+          <a:chExt cx="0" cy="0"/>
+        </a:xfrm>
+      </p:grpSpPr>
+      <p:sp>
+        <p:nvSpPr>
+          <p:cNvPr id="2" name="Title 1"/>
+          <p:cNvSpPr>
+            <a:spLocks noGrp="1"/>
+          </p:cNvSpPr>
+          <p:nvPr>
+            <p:ph type="title"/>
+          </p:nvPr>
+        </p:nvSpPr>
+        <p:spPr>
+          <a:xfrm>
+            <a:off x="3737113" y="2251661"/>
+            <a:ext cx="4399722" cy="2187817"/>
+          </a:xfrm>
+        </p:spPr>
+        <p:txBody>
+          <a:bodyPr/>
+          <a:lstStyle/>
+          <a:p>
+            <a:pPr algn="ctr"/>
+            <a:r>
+              <a:rPr lang="en-US" dirty="0" smtClean="0">
+                <a:latin typeface="Times New Roman" charset="0"/>
+                <a:ea typeface="Times New Roman" charset="0"/>
+                <a:cs typeface="Times New Roman" charset="0"/>
+              </a:rPr>
+              <a:t>Thank You</a:t>
+            </a:r>
+            <a:endParaRPr lang="en-US" dirty="0">
+              <a:latin typeface="Times New Roman" charset="0"/>
+              <a:ea typeface="Times New Roman" charset="0"/>
+              <a:cs typeface="Times New Roman" charset="0"/>
+            </a:endParaRPr>
+          </a:p>
+        </p:txBody>
+      </p:sp>
+      <p:sp>
+        <p:nvSpPr>
+          <p:cNvPr id="5" name="Content Placeholder 2"/>
+          <p:cNvSpPr txBox="1">
+            <a:spLocks/>
+          </p:cNvSpPr>
+          <p:nvPr/>
+        </p:nvSpPr>
+        <p:spPr>
+          <a:xfrm>
+            <a:off x="1086678" y="1825625"/>
+            <a:ext cx="4648200" cy="4351338"/>
+          </a:xfrm>
+          <a:prstGeom prst="rect">
+            <a:avLst/>
+          </a:prstGeom>
+        </p:spPr>
+        <p:txBody>
+          <a:bodyPr vert="horz" lIns="91440" tIns="45720" rIns="91440" bIns="45720" rtlCol="0">
+            <a:noAutofit/>
+          </a:bodyPr>
+          <a:lstStyle>
+            <a:lvl1pPr marL="228600" indent="-228600" algn="l" defTabSz="914400" rtl="0" eaLnBrk="1" latinLnBrk="0" hangingPunct="1">
+              <a:lnSpc>
+                <a:spcPct val="90000"/>
+              </a:lnSpc>
+              <a:spcBef>
+                <a:spcPts val="1000"/>
+              </a:spcBef>
+              <a:buFont typeface="Arial"/>
+              <a:buChar char="•"/>
+              <a:defRPr sz="2800" kern="1200">
+                <a:solidFill>
+                  <a:schemeClr val="tx1"/>
+                </a:solidFill>
+                <a:latin typeface="+mn-lt"/>
+                <a:ea typeface="+mn-ea"/>
+                <a:cs typeface="+mn-cs"/>
+              </a:defRPr>
+            </a:lvl1pPr>
+            <a:lvl2pPr marL="685800" indent="-228600" algn="l" defTabSz="914400" rtl="0" eaLnBrk="1" latinLnBrk="0" hangingPunct="1">
+              <a:lnSpc>
+                <a:spcPct val="90000"/>
+              </a:lnSpc>
+              <a:spcBef>
+                <a:spcPts val="500"/>
+              </a:spcBef>
+              <a:buFont typeface="Arial"/>
+              <a:buChar char="•"/>
+              <a:defRPr sz="2400" kern="1200">
+                <a:solidFill>
+                  <a:schemeClr val="tx1"/>
+                </a:solidFill>
+                <a:latin typeface="+mn-lt"/>
+                <a:ea typeface="+mn-ea"/>
+                <a:cs typeface="+mn-cs"/>
+              </a:defRPr>
+            </a:lvl2pPr>
+            <a:lvl3pPr marL="1143000" indent="-228600" algn="l" defTabSz="914400" rtl="0" eaLnBrk="1" latinLnBrk="0" hangingPunct="1">
+              <a:lnSpc>
+                <a:spcPct val="90000"/>
+              </a:lnSpc>
+              <a:spcBef>
+                <a:spcPts val="500"/>
+              </a:spcBef>
+              <a:buFont typeface="Arial"/>
+              <a:buChar char="•"/>
+              <a:defRPr sz="2000" kern="1200">
+                <a:solidFill>
+                  <a:schemeClr val="tx1"/>
+                </a:solidFill>
+                <a:latin typeface="+mn-lt"/>
+                <a:ea typeface="+mn-ea"/>
+                <a:cs typeface="+mn-cs"/>
+              </a:defRPr>
+            </a:lvl3pPr>
+            <a:lvl4pPr marL="1600200" indent="-228600" algn="l" defTabSz="914400" rtl="0" eaLnBrk="1" latinLnBrk="0" hangingPunct="1">
+              <a:lnSpc>
+                <a:spcPct val="90000"/>
+              </a:lnSpc>
+              <a:spcBef>
+                <a:spcPts val="500"/>
+              </a:spcBef>
+              <a:buFont typeface="Arial"/>
+              <a:buChar char="•"/>
+              <a:defRPr sz="1800" kern="1200">
+                <a:solidFill>
+                  <a:schemeClr val="tx1"/>
+                </a:solidFill>
+                <a:latin typeface="+mn-lt"/>
+                <a:ea typeface="+mn-ea"/>
+                <a:cs typeface="+mn-cs"/>
+              </a:defRPr>
+            </a:lvl4pPr>
+            <a:lvl5pPr marL="2057400" indent="-228600" algn="l" defTabSz="914400" rtl="0" eaLnBrk="1" latinLnBrk="0" hangingPunct="1">
+              <a:lnSpc>
+                <a:spcPct val="90000"/>
+              </a:lnSpc>
+              <a:spcBef>
+                <a:spcPts val="500"/>
+              </a:spcBef>
+              <a:buFont typeface="Arial"/>
+              <a:buChar char="•"/>
+              <a:defRPr sz="1800" kern="1200">
+                <a:solidFill>
+                  <a:schemeClr val="tx1"/>
+                </a:solidFill>
+                <a:latin typeface="+mn-lt"/>
+                <a:ea typeface="+mn-ea"/>
+                <a:cs typeface="+mn-cs"/>
+              </a:defRPr>
+            </a:lvl5pPr>
+            <a:lvl6pPr marL="2514600" indent="-228600" algn="l" defTabSz="914400" rtl="0" eaLnBrk="1" latinLnBrk="0" hangingPunct="1">
+              <a:lnSpc>
+                <a:spcPct val="90000"/>
+              </a:lnSpc>
+              <a:spcBef>
+                <a:spcPts val="500"/>
+              </a:spcBef>
+              <a:buFont typeface="Arial"/>
+              <a:buChar char="•"/>
+              <a:defRPr sz="1800" kern="1200">
+                <a:solidFill>
+                  <a:schemeClr val="tx1"/>
+                </a:solidFill>
+                <a:latin typeface="+mn-lt"/>
+                <a:ea typeface="+mn-ea"/>
+                <a:cs typeface="+mn-cs"/>
+              </a:defRPr>
+            </a:lvl6pPr>
+            <a:lvl7pPr marL="2971800" indent="-228600" algn="l" defTabSz="914400" rtl="0" eaLnBrk="1" latinLnBrk="0" hangingPunct="1">
+              <a:lnSpc>
+                <a:spcPct val="90000"/>
+              </a:lnSpc>
+              <a:spcBef>
+                <a:spcPts val="500"/>
+              </a:spcBef>
+              <a:buFont typeface="Arial"/>
+              <a:buChar char="•"/>
+              <a:defRPr sz="1800" kern="1200">
+                <a:solidFill>
+                  <a:schemeClr val="tx1"/>
+                </a:solidFill>
+                <a:latin typeface="+mn-lt"/>
+                <a:ea typeface="+mn-ea"/>
+                <a:cs typeface="+mn-cs"/>
+              </a:defRPr>
+            </a:lvl7pPr>
+            <a:lvl8pPr marL="3429000" indent="-228600" algn="l" defTabSz="914400" rtl="0" eaLnBrk="1" latinLnBrk="0" hangingPunct="1">
+              <a:lnSpc>
+                <a:spcPct val="90000"/>
+              </a:lnSpc>
+              <a:spcBef>
+                <a:spcPts val="500"/>
+              </a:spcBef>
+              <a:buFont typeface="Arial"/>
+              <a:buChar char="•"/>
+              <a:defRPr sz="1800" kern="1200">
+                <a:solidFill>
+                  <a:schemeClr val="tx1"/>
+                </a:solidFill>
+                <a:latin typeface="+mn-lt"/>
+                <a:ea typeface="+mn-ea"/>
+                <a:cs typeface="+mn-cs"/>
+              </a:defRPr>
+            </a:lvl8pPr>
+            <a:lvl9pPr marL="3886200" indent="-228600" algn="l" defTabSz="914400" rtl="0" eaLnBrk="1" latinLnBrk="0" hangingPunct="1">
+              <a:lnSpc>
+                <a:spcPct val="90000"/>
+              </a:lnSpc>
+              <a:spcBef>
+                <a:spcPts val="500"/>
+              </a:spcBef>
+              <a:buFont typeface="Arial"/>
+              <a:buChar char="•"/>
+              <a:defRPr sz="1800" kern="1200">
+                <a:solidFill>
+                  <a:schemeClr val="tx1"/>
+                </a:solidFill>
+                <a:latin typeface="+mn-lt"/>
+                <a:ea typeface="+mn-ea"/>
+                <a:cs typeface="+mn-cs"/>
+              </a:defRPr>
+            </a:lvl9pPr>
+          </a:lstStyle>
+          <a:p>
+            <a:pPr>
+              <a:lnSpc>
+                <a:spcPct val="150000"/>
+              </a:lnSpc>
+            </a:pPr>
+            <a:endParaRPr lang="en-US" sz="2500" dirty="0" smtClean="0">
+              <a:latin typeface="Times New Roman" charset="0"/>
+              <a:ea typeface="Times New Roman" charset="0"/>
+              <a:cs typeface="Times New Roman" charset="0"/>
+            </a:endParaRPr>
+          </a:p>
+          <a:p>
+            <a:pPr>
+              <a:lnSpc>
+                <a:spcPct val="150000"/>
+              </a:lnSpc>
+            </a:pPr>
+            <a:endParaRPr lang="en-US" sz="2500" dirty="0">
+              <a:latin typeface="Times New Roman" charset="0"/>
+              <a:ea typeface="Times New Roman" charset="0"/>
+              <a:cs typeface="Times New Roman" charset="0"/>
+            </a:endParaRPr>
+          </a:p>
+        </p:txBody>
+      </p:sp>
+    </p:spTree>
+    <p:extLst>
+      <p:ext uri="{BB962C8B-B14F-4D97-AF65-F5344CB8AC3E}">
+        <p14:creationId xmlns:p14="http://schemas.microsoft.com/office/powerpoint/2010/main" val="82569858"/>
       </p:ext>
     </p:extLst>
   </p:cSld>
@@ -4239,4 +6321,265 @@
     </a:ext>
   </a:extLst>
 </a:theme>
+</file>
+
+<file path=ppt/theme/theme2.xml><?xml version="1.0" encoding="utf-8"?>
+<a:theme xmlns:a="http://schemas.openxmlformats.org/drawingml/2006/main" name="Office Theme">
+  <a:themeElements>
+    <a:clrScheme name="Office">
+      <a:dk1>
+        <a:sysClr val="windowText" lastClr="000000"/>
+      </a:dk1>
+      <a:lt1>
+        <a:sysClr val="window" lastClr="FFFFFF"/>
+      </a:lt1>
+      <a:dk2>
+        <a:srgbClr val="44546A"/>
+      </a:dk2>
+      <a:lt2>
+        <a:srgbClr val="E7E6E6"/>
+      </a:lt2>
+      <a:accent1>
+        <a:srgbClr val="5B9BD5"/>
+      </a:accent1>
+      <a:accent2>
+        <a:srgbClr val="ED7D31"/>
+      </a:accent2>
+      <a:accent3>
+        <a:srgbClr val="A5A5A5"/>
+      </a:accent3>
+      <a:accent4>
+        <a:srgbClr val="FFC000"/>
+      </a:accent4>
+      <a:accent5>
+        <a:srgbClr val="4472C4"/>
+      </a:accent5>
+      <a:accent6>
+        <a:srgbClr val="70AD47"/>
+      </a:accent6>
+      <a:hlink>
+        <a:srgbClr val="0563C1"/>
+      </a:hlink>
+      <a:folHlink>
+        <a:srgbClr val="954F72"/>
+      </a:folHlink>
+    </a:clrScheme>
+    <a:fontScheme name="Office">
+      <a:majorFont>
+        <a:latin typeface="Calibri Light" panose="020F0302020204030204"/>
+        <a:ea typeface=""/>
+        <a:cs typeface=""/>
+        <a:font script="Jpan" typeface="Yu Gothic Light"/>
+        <a:font script="Hang" typeface="맑은 고딕"/>
+        <a:font script="Hans" typeface="DengXian Light"/>
+        <a:font script="Hant" typeface="新細明體"/>
+        <a:font script="Arab" typeface="Times New Roman"/>
+        <a:font script="Hebr" typeface="Times New Roman"/>
+        <a:font script="Thai" typeface="Angsana New"/>
+        <a:font script="Ethi" typeface="Nyala"/>
+        <a:font script="Beng" typeface="Vrinda"/>
+        <a:font script="Gujr" typeface="Shruti"/>
+        <a:font script="Khmr" typeface="MoolBoran"/>
+        <a:font script="Knda" typeface="Tunga"/>
+        <a:font script="Guru" typeface="Raavi"/>
+        <a:font script="Cans" typeface="Euphemia"/>
+        <a:font script="Cher" typeface="Plantagenet Cherokee"/>
+        <a:font script="Yiii" typeface="Microsoft Yi Baiti"/>
+        <a:font script="Tibt" typeface="Microsoft Himalaya"/>
+        <a:font script="Thaa" typeface="MV Boli"/>
+        <a:font script="Deva" typeface="Mangal"/>
+        <a:font script="Telu" typeface="Gautami"/>
+        <a:font script="Taml" typeface="Latha"/>
+        <a:font script="Syrc" typeface="Estrangelo Edessa"/>
+        <a:font script="Orya" typeface="Kalinga"/>
+        <a:font script="Mlym" typeface="Kartika"/>
+        <a:font script="Laoo" typeface="DokChampa"/>
+        <a:font script="Sinh" typeface="Iskoola Pota"/>
+        <a:font script="Mong" typeface="Mongolian Baiti"/>
+        <a:font script="Viet" typeface="Times New Roman"/>
+        <a:font script="Uigh" typeface="Microsoft Uighur"/>
+        <a:font script="Geor" typeface="Sylfaen"/>
+      </a:majorFont>
+      <a:minorFont>
+        <a:latin typeface="Calibri" panose="020F0502020204030204"/>
+        <a:ea typeface=""/>
+        <a:cs typeface=""/>
+        <a:font script="Jpan" typeface="Yu Gothic"/>
+        <a:font script="Hang" typeface="맑은 고딕"/>
+        <a:font script="Hans" typeface="DengXian"/>
+        <a:font script="Hant" typeface="新細明體"/>
+        <a:font script="Arab" typeface="Arial"/>
+        <a:font script="Hebr" typeface="Arial"/>
+        <a:font script="Thai" typeface="Cordia New"/>
+        <a:font script="Ethi" typeface="Nyala"/>
+        <a:font script="Beng" typeface="Vrinda"/>
+        <a:font script="Gujr" typeface="Shruti"/>
+        <a:font script="Khmr" typeface="DaunPenh"/>
+        <a:font script="Knda" typeface="Tunga"/>
+        <a:font script="Guru" typeface="Raavi"/>
+        <a:font script="Cans" typeface="Euphemia"/>
+        <a:font script="Cher" typeface="Plantagenet Cherokee"/>
+        <a:font script="Yiii" typeface="Microsoft Yi Baiti"/>
+        <a:font script="Tibt" typeface="Microsoft Himalaya"/>
+        <a:font script="Thaa" typeface="MV Boli"/>
+        <a:font script="Deva" typeface="Mangal"/>
+        <a:font script="Telu" typeface="Gautami"/>
+        <a:font script="Taml" typeface="Latha"/>
+        <a:font script="Syrc" typeface="Estrangelo Edessa"/>
+        <a:font script="Orya" typeface="Kalinga"/>
+        <a:font script="Mlym" typeface="Kartika"/>
+        <a:font script="Laoo" typeface="DokChampa"/>
+        <a:font script="Sinh" typeface="Iskoola Pota"/>
+        <a:font script="Mong" typeface="Mongolian Baiti"/>
+        <a:font script="Viet" typeface="Arial"/>
+        <a:font script="Uigh" typeface="Microsoft Uighur"/>
+        <a:font script="Geor" typeface="Sylfaen"/>
+      </a:minorFont>
+    </a:fontScheme>
+    <a:fmtScheme name="Office">
+      <a:fillStyleLst>
+        <a:solidFill>
+          <a:schemeClr val="phClr"/>
+        </a:solidFill>
+        <a:gradFill rotWithShape="1">
+          <a:gsLst>
+            <a:gs pos="0">
+              <a:schemeClr val="phClr">
+                <a:lumMod val="110000"/>
+                <a:satMod val="105000"/>
+                <a:tint val="67000"/>
+              </a:schemeClr>
+            </a:gs>
+            <a:gs pos="50000">
+              <a:schemeClr val="phClr">
+                <a:lumMod val="105000"/>
+                <a:satMod val="103000"/>
+                <a:tint val="73000"/>
+              </a:schemeClr>
+            </a:gs>
+            <a:gs pos="100000">
+              <a:schemeClr val="phClr">
+                <a:lumMod val="105000"/>
+                <a:satMod val="109000"/>
+                <a:tint val="81000"/>
+              </a:schemeClr>
+            </a:gs>
+          </a:gsLst>
+          <a:lin ang="5400000" scaled="0"/>
+        </a:gradFill>
+        <a:gradFill rotWithShape="1">
+          <a:gsLst>
+            <a:gs pos="0">
+              <a:schemeClr val="phClr">
+                <a:satMod val="103000"/>
+                <a:lumMod val="102000"/>
+                <a:tint val="94000"/>
+              </a:schemeClr>
+            </a:gs>
+            <a:gs pos="50000">
+              <a:schemeClr val="phClr">
+                <a:satMod val="110000"/>
+                <a:lumMod val="100000"/>
+                <a:shade val="100000"/>
+              </a:schemeClr>
+            </a:gs>
+            <a:gs pos="100000">
+              <a:schemeClr val="phClr">
+                <a:lumMod val="99000"/>
+                <a:satMod val="120000"/>
+                <a:shade val="78000"/>
+              </a:schemeClr>
+            </a:gs>
+          </a:gsLst>
+          <a:lin ang="5400000" scaled="0"/>
+        </a:gradFill>
+      </a:fillStyleLst>
+      <a:lnStyleLst>
+        <a:ln w="6350" cap="flat" cmpd="sng" algn="ctr">
+          <a:solidFill>
+            <a:schemeClr val="phClr"/>
+          </a:solidFill>
+          <a:prstDash val="solid"/>
+          <a:miter lim="800000"/>
+        </a:ln>
+        <a:ln w="12700" cap="flat" cmpd="sng" algn="ctr">
+          <a:solidFill>
+            <a:schemeClr val="phClr"/>
+          </a:solidFill>
+          <a:prstDash val="solid"/>
+          <a:miter lim="800000"/>
+        </a:ln>
+        <a:ln w="19050" cap="flat" cmpd="sng" algn="ctr">
+          <a:solidFill>
+            <a:schemeClr val="phClr"/>
+          </a:solidFill>
+          <a:prstDash val="solid"/>
+          <a:miter lim="800000"/>
+        </a:ln>
+      </a:lnStyleLst>
+      <a:effectStyleLst>
+        <a:effectStyle>
+          <a:effectLst/>
+        </a:effectStyle>
+        <a:effectStyle>
+          <a:effectLst/>
+        </a:effectStyle>
+        <a:effectStyle>
+          <a:effectLst>
+            <a:outerShdw blurRad="57150" dist="19050" dir="5400000" algn="ctr" rotWithShape="0">
+              <a:srgbClr val="000000">
+                <a:alpha val="63000"/>
+              </a:srgbClr>
+            </a:outerShdw>
+          </a:effectLst>
+        </a:effectStyle>
+      </a:effectStyleLst>
+      <a:bgFillStyleLst>
+        <a:solidFill>
+          <a:schemeClr val="phClr"/>
+        </a:solidFill>
+        <a:solidFill>
+          <a:schemeClr val="phClr">
+            <a:tint val="95000"/>
+            <a:satMod val="170000"/>
+          </a:schemeClr>
+        </a:solidFill>
+        <a:gradFill rotWithShape="1">
+          <a:gsLst>
+            <a:gs pos="0">
+              <a:schemeClr val="phClr">
+                <a:tint val="93000"/>
+                <a:satMod val="150000"/>
+                <a:shade val="98000"/>
+                <a:lumMod val="102000"/>
+              </a:schemeClr>
+            </a:gs>
+            <a:gs pos="50000">
+              <a:schemeClr val="phClr">
+                <a:tint val="98000"/>
+                <a:satMod val="130000"/>
+                <a:shade val="90000"/>
+                <a:lumMod val="103000"/>
+              </a:schemeClr>
+            </a:gs>
+            <a:gs pos="100000">
+              <a:schemeClr val="phClr">
+                <a:shade val="63000"/>
+                <a:satMod val="120000"/>
+              </a:schemeClr>
+            </a:gs>
+          </a:gsLst>
+          <a:lin ang="5400000" scaled="0"/>
+        </a:gradFill>
+      </a:bgFillStyleLst>
+    </a:fmtScheme>
+  </a:themeElements>
+  <a:objectDefaults/>
+  <a:extraClrSchemeLst/>
+  <a:extLst>
+    <a:ext uri="{05A4C25C-085E-4340-85A3-A5531E510DB2}">
+      <thm15:themeFamily xmlns:thm15="http://schemas.microsoft.com/office/thememl/2012/main" name="Office Theme" id="{62F939B6-93AF-4DB8-9C6B-D6C7DFDC589F}" vid="{4A3C46E8-61CC-4603-A589-7422A47A8E4A}"/>
+    </a:ext>
+  </a:extLst>
+</a:theme>
 </file>